--- a/msmr_labs/images/pcafa2.pptx
+++ b/msmr_labs/images/pcafa2.pptx
@@ -10,6 +10,7 @@
     <p:sldId id="258" r:id="rId4"/>
     <p:sldId id="260" r:id="rId5"/>
     <p:sldId id="261" r:id="rId6"/>
+    <p:sldId id="263" r:id="rId7"/>
   </p:sldIdLst>
   <p:sldSz cx="12192000" cy="6858000"/>
   <p:notesSz cx="6858000" cy="9144000"/>
@@ -247,7 +248,7 @@
           <a:p>
             <a:fld id="{BAE089A4-FA25-44C7-AB07-248F6CEAFEAC}" type="datetimeFigureOut">
               <a:rPr lang="en-GB" smtClean="0"/>
-              <a:t>26/02/2024</a:t>
+              <a:t>03/03/2024</a:t>
             </a:fld>
             <a:endParaRPr lang="en-GB"/>
           </a:p>
@@ -417,7 +418,7 @@
           <a:p>
             <a:fld id="{BAE089A4-FA25-44C7-AB07-248F6CEAFEAC}" type="datetimeFigureOut">
               <a:rPr lang="en-GB" smtClean="0"/>
-              <a:t>26/02/2024</a:t>
+              <a:t>03/03/2024</a:t>
             </a:fld>
             <a:endParaRPr lang="en-GB"/>
           </a:p>
@@ -597,7 +598,7 @@
           <a:p>
             <a:fld id="{BAE089A4-FA25-44C7-AB07-248F6CEAFEAC}" type="datetimeFigureOut">
               <a:rPr lang="en-GB" smtClean="0"/>
-              <a:t>26/02/2024</a:t>
+              <a:t>03/03/2024</a:t>
             </a:fld>
             <a:endParaRPr lang="en-GB"/>
           </a:p>
@@ -767,7 +768,7 @@
           <a:p>
             <a:fld id="{BAE089A4-FA25-44C7-AB07-248F6CEAFEAC}" type="datetimeFigureOut">
               <a:rPr lang="en-GB" smtClean="0"/>
-              <a:t>26/02/2024</a:t>
+              <a:t>03/03/2024</a:t>
             </a:fld>
             <a:endParaRPr lang="en-GB"/>
           </a:p>
@@ -1013,7 +1014,7 @@
           <a:p>
             <a:fld id="{BAE089A4-FA25-44C7-AB07-248F6CEAFEAC}" type="datetimeFigureOut">
               <a:rPr lang="en-GB" smtClean="0"/>
-              <a:t>26/02/2024</a:t>
+              <a:t>03/03/2024</a:t>
             </a:fld>
             <a:endParaRPr lang="en-GB"/>
           </a:p>
@@ -1245,7 +1246,7 @@
           <a:p>
             <a:fld id="{BAE089A4-FA25-44C7-AB07-248F6CEAFEAC}" type="datetimeFigureOut">
               <a:rPr lang="en-GB" smtClean="0"/>
-              <a:t>26/02/2024</a:t>
+              <a:t>03/03/2024</a:t>
             </a:fld>
             <a:endParaRPr lang="en-GB"/>
           </a:p>
@@ -1612,7 +1613,7 @@
           <a:p>
             <a:fld id="{BAE089A4-FA25-44C7-AB07-248F6CEAFEAC}" type="datetimeFigureOut">
               <a:rPr lang="en-GB" smtClean="0"/>
-              <a:t>26/02/2024</a:t>
+              <a:t>03/03/2024</a:t>
             </a:fld>
             <a:endParaRPr lang="en-GB"/>
           </a:p>
@@ -1730,7 +1731,7 @@
           <a:p>
             <a:fld id="{BAE089A4-FA25-44C7-AB07-248F6CEAFEAC}" type="datetimeFigureOut">
               <a:rPr lang="en-GB" smtClean="0"/>
-              <a:t>26/02/2024</a:t>
+              <a:t>03/03/2024</a:t>
             </a:fld>
             <a:endParaRPr lang="en-GB"/>
           </a:p>
@@ -1825,7 +1826,7 @@
           <a:p>
             <a:fld id="{BAE089A4-FA25-44C7-AB07-248F6CEAFEAC}" type="datetimeFigureOut">
               <a:rPr lang="en-GB" smtClean="0"/>
-              <a:t>26/02/2024</a:t>
+              <a:t>03/03/2024</a:t>
             </a:fld>
             <a:endParaRPr lang="en-GB"/>
           </a:p>
@@ -2102,7 +2103,7 @@
           <a:p>
             <a:fld id="{BAE089A4-FA25-44C7-AB07-248F6CEAFEAC}" type="datetimeFigureOut">
               <a:rPr lang="en-GB" smtClean="0"/>
-              <a:t>26/02/2024</a:t>
+              <a:t>03/03/2024</a:t>
             </a:fld>
             <a:endParaRPr lang="en-GB"/>
           </a:p>
@@ -2355,7 +2356,7 @@
           <a:p>
             <a:fld id="{BAE089A4-FA25-44C7-AB07-248F6CEAFEAC}" type="datetimeFigureOut">
               <a:rPr lang="en-GB" smtClean="0"/>
-              <a:t>26/02/2024</a:t>
+              <a:t>03/03/2024</a:t>
             </a:fld>
             <a:endParaRPr lang="en-GB"/>
           </a:p>
@@ -2568,7 +2569,7 @@
           <a:p>
             <a:fld id="{BAE089A4-FA25-44C7-AB07-248F6CEAFEAC}" type="datetimeFigureOut">
               <a:rPr lang="en-GB" smtClean="0"/>
-              <a:t>26/02/2024</a:t>
+              <a:t>03/03/2024</a:t>
             </a:fld>
             <a:endParaRPr lang="en-GB"/>
           </a:p>
@@ -5530,8 +5531,8 @@
           <a:chExt cx="0" cy="0"/>
         </a:xfrm>
       </p:grpSpPr>
-      <mc:AlternateContent xmlns:mc="http://schemas.openxmlformats.org/markup-compatibility/2006">
-        <mc:Choice xmlns:a14="http://schemas.microsoft.com/office/drawing/2010/main" Requires="a14">
+      <mc:AlternateContent xmlns:mc="http://schemas.openxmlformats.org/markup-compatibility/2006" xmlns:a14="http://schemas.microsoft.com/office/drawing/2010/main">
+        <mc:Choice Requires="a14">
           <p:sp>
             <p:nvSpPr>
               <p:cNvPr id="4" name="Rectangle 3"/>
@@ -5607,7 +5608,7 @@
             </p:txBody>
           </p:sp>
         </mc:Choice>
-        <mc:Fallback>
+        <mc:Fallback xmlns="">
           <p:sp>
             <p:nvSpPr>
               <p:cNvPr id="4" name="Rectangle 3"/>
@@ -5646,8 +5647,8 @@
           </p:sp>
         </mc:Fallback>
       </mc:AlternateContent>
-      <mc:AlternateContent xmlns:mc="http://schemas.openxmlformats.org/markup-compatibility/2006">
-        <mc:Choice xmlns:a14="http://schemas.microsoft.com/office/drawing/2010/main" Requires="a14">
+      <mc:AlternateContent xmlns:mc="http://schemas.openxmlformats.org/markup-compatibility/2006" xmlns:a14="http://schemas.microsoft.com/office/drawing/2010/main">
+        <mc:Choice Requires="a14">
           <p:sp>
             <p:nvSpPr>
               <p:cNvPr id="5" name="Rectangle 4"/>
@@ -5723,7 +5724,7 @@
             </p:txBody>
           </p:sp>
         </mc:Choice>
-        <mc:Fallback>
+        <mc:Fallback xmlns="">
           <p:sp>
             <p:nvSpPr>
               <p:cNvPr id="5" name="Rectangle 4"/>
@@ -5762,8 +5763,8 @@
           </p:sp>
         </mc:Fallback>
       </mc:AlternateContent>
-      <mc:AlternateContent xmlns:mc="http://schemas.openxmlformats.org/markup-compatibility/2006">
-        <mc:Choice xmlns:a14="http://schemas.microsoft.com/office/drawing/2010/main" Requires="a14">
+      <mc:AlternateContent xmlns:mc="http://schemas.openxmlformats.org/markup-compatibility/2006" xmlns:a14="http://schemas.microsoft.com/office/drawing/2010/main">
+        <mc:Choice Requires="a14">
           <p:sp>
             <p:nvSpPr>
               <p:cNvPr id="6" name="Rectangle 5"/>
@@ -5839,7 +5840,7 @@
             </p:txBody>
           </p:sp>
         </mc:Choice>
-        <mc:Fallback>
+        <mc:Fallback xmlns="">
           <p:sp>
             <p:nvSpPr>
               <p:cNvPr id="6" name="Rectangle 5"/>
@@ -5878,8 +5879,8 @@
           </p:sp>
         </mc:Fallback>
       </mc:AlternateContent>
-      <mc:AlternateContent xmlns:mc="http://schemas.openxmlformats.org/markup-compatibility/2006">
-        <mc:Choice xmlns:a14="http://schemas.microsoft.com/office/drawing/2010/main" Requires="a14">
+      <mc:AlternateContent xmlns:mc="http://schemas.openxmlformats.org/markup-compatibility/2006" xmlns:a14="http://schemas.microsoft.com/office/drawing/2010/main">
+        <mc:Choice Requires="a14">
           <p:sp>
             <p:nvSpPr>
               <p:cNvPr id="7" name="Rectangle 6"/>
@@ -5955,7 +5956,7 @@
             </p:txBody>
           </p:sp>
         </mc:Choice>
-        <mc:Fallback>
+        <mc:Fallback xmlns="">
           <p:sp>
             <p:nvSpPr>
               <p:cNvPr id="7" name="Rectangle 6"/>
@@ -6063,8 +6064,8 @@
           </a:p>
         </p:txBody>
       </p:sp>
-      <mc:AlternateContent xmlns:mc="http://schemas.openxmlformats.org/markup-compatibility/2006">
-        <mc:Choice xmlns:a14="http://schemas.microsoft.com/office/drawing/2010/main" Requires="a14">
+      <mc:AlternateContent xmlns:mc="http://schemas.openxmlformats.org/markup-compatibility/2006" xmlns:a14="http://schemas.microsoft.com/office/drawing/2010/main">
+        <mc:Choice Requires="a14">
           <p:sp>
             <p:nvSpPr>
               <p:cNvPr id="114" name="TextBox 113"/>
@@ -7040,18 +7041,7 @@
                             </a:solidFill>
                             <a:latin typeface="Cambria Math" panose="02040503050406030204" pitchFamily="18" charset="0"/>
                           </a:rPr>
-                          <m:t>3</m:t>
-                        </m:r>
-                        <m:r>
-                          <a:rPr lang="en-GB" b="0" i="1" smtClean="0">
-                            <a:solidFill>
-                              <a:schemeClr val="bg1">
-                                <a:lumMod val="85000"/>
-                              </a:schemeClr>
-                            </a:solidFill>
-                            <a:latin typeface="Cambria Math" panose="02040503050406030204" pitchFamily="18" charset="0"/>
-                          </a:rPr>
-                          <m:t>1</m:t>
+                          <m:t>31</m:t>
                         </m:r>
                       </m:sub>
                     </m:sSub>
@@ -7153,18 +7143,7 @@
                             </a:solidFill>
                             <a:latin typeface="Cambria Math" panose="02040503050406030204" pitchFamily="18" charset="0"/>
                           </a:rPr>
-                          <m:t>3</m:t>
-                        </m:r>
-                        <m:r>
-                          <a:rPr lang="en-GB" b="0" i="1" smtClean="0">
-                            <a:solidFill>
-                              <a:schemeClr val="bg1">
-                                <a:lumMod val="85000"/>
-                              </a:schemeClr>
-                            </a:solidFill>
-                            <a:latin typeface="Cambria Math" panose="02040503050406030204" pitchFamily="18" charset="0"/>
-                          </a:rPr>
-                          <m:t>2</m:t>
+                          <m:t>32</m:t>
                         </m:r>
                       </m:sub>
                     </m:sSub>
@@ -7280,18 +7259,7 @@
                             </a:solidFill>
                             <a:latin typeface="Cambria Math" panose="02040503050406030204" pitchFamily="18" charset="0"/>
                           </a:rPr>
-                          <m:t>3</m:t>
-                        </m:r>
-                        <m:r>
-                          <a:rPr lang="en-GB" b="0" i="1" smtClean="0">
-                            <a:solidFill>
-                              <a:schemeClr val="bg1">
-                                <a:lumMod val="85000"/>
-                              </a:schemeClr>
-                            </a:solidFill>
-                            <a:latin typeface="Cambria Math" panose="02040503050406030204" pitchFamily="18" charset="0"/>
-                          </a:rPr>
-                          <m:t>3</m:t>
+                          <m:t>33</m:t>
                         </m:r>
                       </m:sub>
                     </m:sSub>
@@ -7393,18 +7361,7 @@
                             </a:solidFill>
                             <a:latin typeface="Cambria Math" panose="02040503050406030204" pitchFamily="18" charset="0"/>
                           </a:rPr>
-                          <m:t>3</m:t>
-                        </m:r>
-                        <m:r>
-                          <a:rPr lang="en-GB" b="0" i="1" smtClean="0">
-                            <a:solidFill>
-                              <a:schemeClr val="bg1">
-                                <a:lumMod val="85000"/>
-                              </a:schemeClr>
-                            </a:solidFill>
-                            <a:latin typeface="Cambria Math" panose="02040503050406030204" pitchFamily="18" charset="0"/>
-                          </a:rPr>
-                          <m:t>4</m:t>
+                          <m:t>34</m:t>
                         </m:r>
                       </m:sub>
                     </m:sSub>
@@ -7788,18 +7745,7 @@
                             </a:solidFill>
                             <a:latin typeface="Cambria Math" panose="02040503050406030204" pitchFamily="18" charset="0"/>
                           </a:rPr>
-                          <m:t>4</m:t>
-                        </m:r>
-                        <m:r>
-                          <a:rPr lang="en-GB" b="0" i="1" smtClean="0">
-                            <a:solidFill>
-                              <a:schemeClr val="bg1">
-                                <a:lumMod val="85000"/>
-                              </a:schemeClr>
-                            </a:solidFill>
-                            <a:latin typeface="Cambria Math" panose="02040503050406030204" pitchFamily="18" charset="0"/>
-                          </a:rPr>
-                          <m:t>1</m:t>
+                          <m:t>41</m:t>
                         </m:r>
                       </m:sub>
                     </m:sSub>
@@ -7901,18 +7847,7 @@
                             </a:solidFill>
                             <a:latin typeface="Cambria Math" panose="02040503050406030204" pitchFamily="18" charset="0"/>
                           </a:rPr>
-                          <m:t>4</m:t>
-                        </m:r>
-                        <m:r>
-                          <a:rPr lang="en-GB" b="0" i="1" smtClean="0">
-                            <a:solidFill>
-                              <a:schemeClr val="bg1">
-                                <a:lumMod val="85000"/>
-                              </a:schemeClr>
-                            </a:solidFill>
-                            <a:latin typeface="Cambria Math" panose="02040503050406030204" pitchFamily="18" charset="0"/>
-                          </a:rPr>
-                          <m:t>2</m:t>
+                          <m:t>42</m:t>
                         </m:r>
                       </m:sub>
                     </m:sSub>
@@ -8028,18 +7963,7 @@
                             </a:solidFill>
                             <a:latin typeface="Cambria Math" panose="02040503050406030204" pitchFamily="18" charset="0"/>
                           </a:rPr>
-                          <m:t>4</m:t>
-                        </m:r>
-                        <m:r>
-                          <a:rPr lang="en-GB" b="0" i="1" smtClean="0">
-                            <a:solidFill>
-                              <a:schemeClr val="bg1">
-                                <a:lumMod val="85000"/>
-                              </a:schemeClr>
-                            </a:solidFill>
-                            <a:latin typeface="Cambria Math" panose="02040503050406030204" pitchFamily="18" charset="0"/>
-                          </a:rPr>
-                          <m:t>3</m:t>
+                          <m:t>43</m:t>
                         </m:r>
                       </m:sub>
                     </m:sSub>
@@ -8141,18 +8065,7 @@
                             </a:solidFill>
                             <a:latin typeface="Cambria Math" panose="02040503050406030204" pitchFamily="18" charset="0"/>
                           </a:rPr>
-                          <m:t>4</m:t>
-                        </m:r>
-                        <m:r>
-                          <a:rPr lang="en-GB" b="0" i="1" smtClean="0">
-                            <a:solidFill>
-                              <a:schemeClr val="bg1">
-                                <a:lumMod val="85000"/>
-                              </a:schemeClr>
-                            </a:solidFill>
-                            <a:latin typeface="Cambria Math" panose="02040503050406030204" pitchFamily="18" charset="0"/>
-                          </a:rPr>
-                          <m:t>4</m:t>
+                          <m:t>44</m:t>
                         </m:r>
                       </m:sub>
                     </m:sSub>
@@ -8536,18 +8449,7 @@
                             </a:solidFill>
                             <a:latin typeface="Cambria Math" panose="02040503050406030204" pitchFamily="18" charset="0"/>
                           </a:rPr>
-                          <m:t>5</m:t>
-                        </m:r>
-                        <m:r>
-                          <a:rPr lang="en-GB" b="0" i="1" smtClean="0">
-                            <a:solidFill>
-                              <a:schemeClr val="bg1">
-                                <a:lumMod val="85000"/>
-                              </a:schemeClr>
-                            </a:solidFill>
-                            <a:latin typeface="Cambria Math" panose="02040503050406030204" pitchFamily="18" charset="0"/>
-                          </a:rPr>
-                          <m:t>1</m:t>
+                          <m:t>51</m:t>
                         </m:r>
                       </m:sub>
                     </m:sSub>
@@ -8649,18 +8551,7 @@
                             </a:solidFill>
                             <a:latin typeface="Cambria Math" panose="02040503050406030204" pitchFamily="18" charset="0"/>
                           </a:rPr>
-                          <m:t>5</m:t>
-                        </m:r>
-                        <m:r>
-                          <a:rPr lang="en-GB" b="0" i="1" smtClean="0">
-                            <a:solidFill>
-                              <a:schemeClr val="bg1">
-                                <a:lumMod val="85000"/>
-                              </a:schemeClr>
-                            </a:solidFill>
-                            <a:latin typeface="Cambria Math" panose="02040503050406030204" pitchFamily="18" charset="0"/>
-                          </a:rPr>
-                          <m:t>2</m:t>
+                          <m:t>52</m:t>
                         </m:r>
                       </m:sub>
                     </m:sSub>
@@ -8776,18 +8667,7 @@
                             </a:solidFill>
                             <a:latin typeface="Cambria Math" panose="02040503050406030204" pitchFamily="18" charset="0"/>
                           </a:rPr>
-                          <m:t>5</m:t>
-                        </m:r>
-                        <m:r>
-                          <a:rPr lang="en-GB" b="0" i="1" smtClean="0">
-                            <a:solidFill>
-                              <a:schemeClr val="bg1">
-                                <a:lumMod val="85000"/>
-                              </a:schemeClr>
-                            </a:solidFill>
-                            <a:latin typeface="Cambria Math" panose="02040503050406030204" pitchFamily="18" charset="0"/>
-                          </a:rPr>
-                          <m:t>3</m:t>
+                          <m:t>53</m:t>
                         </m:r>
                       </m:sub>
                     </m:sSub>
@@ -8889,18 +8769,7 @@
                             </a:solidFill>
                             <a:latin typeface="Cambria Math" panose="02040503050406030204" pitchFamily="18" charset="0"/>
                           </a:rPr>
-                          <m:t>5</m:t>
-                        </m:r>
-                        <m:r>
-                          <a:rPr lang="en-GB" b="0" i="1" smtClean="0">
-                            <a:solidFill>
-                              <a:schemeClr val="bg1">
-                                <a:lumMod val="85000"/>
-                              </a:schemeClr>
-                            </a:solidFill>
-                            <a:latin typeface="Cambria Math" panose="02040503050406030204" pitchFamily="18" charset="0"/>
-                          </a:rPr>
-                          <m:t>4</m:t>
+                          <m:t>54</m:t>
                         </m:r>
                       </m:sub>
                     </m:sSub>
@@ -9284,18 +9153,7 @@
                             </a:solidFill>
                             <a:latin typeface="Cambria Math" panose="02040503050406030204" pitchFamily="18" charset="0"/>
                           </a:rPr>
-                          <m:t>6</m:t>
-                        </m:r>
-                        <m:r>
-                          <a:rPr lang="en-GB" b="0" i="1" smtClean="0">
-                            <a:solidFill>
-                              <a:schemeClr val="bg1">
-                                <a:lumMod val="85000"/>
-                              </a:schemeClr>
-                            </a:solidFill>
-                            <a:latin typeface="Cambria Math" panose="02040503050406030204" pitchFamily="18" charset="0"/>
-                          </a:rPr>
-                          <m:t>1</m:t>
+                          <m:t>61</m:t>
                         </m:r>
                       </m:sub>
                     </m:sSub>
@@ -9397,18 +9255,7 @@
                             </a:solidFill>
                             <a:latin typeface="Cambria Math" panose="02040503050406030204" pitchFamily="18" charset="0"/>
                           </a:rPr>
-                          <m:t>6</m:t>
-                        </m:r>
-                        <m:r>
-                          <a:rPr lang="en-GB" b="0" i="1" smtClean="0">
-                            <a:solidFill>
-                              <a:schemeClr val="bg1">
-                                <a:lumMod val="85000"/>
-                              </a:schemeClr>
-                            </a:solidFill>
-                            <a:latin typeface="Cambria Math" panose="02040503050406030204" pitchFamily="18" charset="0"/>
-                          </a:rPr>
-                          <m:t>2</m:t>
+                          <m:t>62</m:t>
                         </m:r>
                       </m:sub>
                     </m:sSub>
@@ -9524,18 +9371,7 @@
                             </a:solidFill>
                             <a:latin typeface="Cambria Math" panose="02040503050406030204" pitchFamily="18" charset="0"/>
                           </a:rPr>
-                          <m:t>6</m:t>
-                        </m:r>
-                        <m:r>
-                          <a:rPr lang="en-GB" b="0" i="1" smtClean="0">
-                            <a:solidFill>
-                              <a:schemeClr val="bg1">
-                                <a:lumMod val="85000"/>
-                              </a:schemeClr>
-                            </a:solidFill>
-                            <a:latin typeface="Cambria Math" panose="02040503050406030204" pitchFamily="18" charset="0"/>
-                          </a:rPr>
-                          <m:t>3</m:t>
+                          <m:t>63</m:t>
                         </m:r>
                       </m:sub>
                     </m:sSub>
@@ -9637,18 +9473,7 @@
                             </a:solidFill>
                             <a:latin typeface="Cambria Math" panose="02040503050406030204" pitchFamily="18" charset="0"/>
                           </a:rPr>
-                          <m:t>6</m:t>
-                        </m:r>
-                        <m:r>
-                          <a:rPr lang="en-GB" b="0" i="1" smtClean="0">
-                            <a:solidFill>
-                              <a:schemeClr val="bg1">
-                                <a:lumMod val="85000"/>
-                              </a:schemeClr>
-                            </a:solidFill>
-                            <a:latin typeface="Cambria Math" panose="02040503050406030204" pitchFamily="18" charset="0"/>
-                          </a:rPr>
-                          <m:t>4</m:t>
+                          <m:t>64</m:t>
                         </m:r>
                       </m:sub>
                     </m:sSub>
@@ -9951,7 +9776,7 @@
             </p:txBody>
           </p:sp>
         </mc:Choice>
-        <mc:Fallback>
+        <mc:Fallback xmlns="">
           <p:sp>
             <p:nvSpPr>
               <p:cNvPr id="114" name="TextBox 113"/>
@@ -9990,8 +9815,8 @@
           </p:sp>
         </mc:Fallback>
       </mc:AlternateContent>
-      <mc:AlternateContent xmlns:mc="http://schemas.openxmlformats.org/markup-compatibility/2006">
-        <mc:Choice xmlns:a14="http://schemas.microsoft.com/office/drawing/2010/main" Requires="a14">
+      <mc:AlternateContent xmlns:mc="http://schemas.openxmlformats.org/markup-compatibility/2006" xmlns:a14="http://schemas.microsoft.com/office/drawing/2010/main">
+        <mc:Choice Requires="a14">
           <p:sp>
             <p:nvSpPr>
               <p:cNvPr id="2" name="Hexagon 1">
@@ -10073,7 +9898,7 @@
             </p:txBody>
           </p:sp>
         </mc:Choice>
-        <mc:Fallback>
+        <mc:Fallback xmlns="">
           <p:sp>
             <p:nvSpPr>
               <p:cNvPr id="2" name="Hexagon 1">
@@ -10118,8 +9943,8 @@
           </p:sp>
         </mc:Fallback>
       </mc:AlternateContent>
-      <mc:AlternateContent xmlns:mc="http://schemas.openxmlformats.org/markup-compatibility/2006">
-        <mc:Choice xmlns:a14="http://schemas.microsoft.com/office/drawing/2010/main" Requires="a14">
+      <mc:AlternateContent xmlns:mc="http://schemas.openxmlformats.org/markup-compatibility/2006" xmlns:a14="http://schemas.microsoft.com/office/drawing/2010/main">
+        <mc:Choice Requires="a14">
           <p:sp>
             <p:nvSpPr>
               <p:cNvPr id="52" name="Hexagon 51">
@@ -10201,7 +10026,7 @@
             </p:txBody>
           </p:sp>
         </mc:Choice>
-        <mc:Fallback>
+        <mc:Fallback xmlns="">
           <p:sp>
             <p:nvSpPr>
               <p:cNvPr id="52" name="Hexagon 51">
@@ -10246,8 +10071,8 @@
           </p:sp>
         </mc:Fallback>
       </mc:AlternateContent>
-      <mc:AlternateContent xmlns:mc="http://schemas.openxmlformats.org/markup-compatibility/2006">
-        <mc:Choice xmlns:a14="http://schemas.microsoft.com/office/drawing/2010/main" Requires="a14">
+      <mc:AlternateContent xmlns:mc="http://schemas.openxmlformats.org/markup-compatibility/2006" xmlns:a14="http://schemas.microsoft.com/office/drawing/2010/main">
+        <mc:Choice Requires="a14">
           <p:sp>
             <p:nvSpPr>
               <p:cNvPr id="68" name="Rectangle 67">
@@ -10329,7 +10154,7 @@
             </p:txBody>
           </p:sp>
         </mc:Choice>
-        <mc:Fallback>
+        <mc:Fallback xmlns="">
           <p:sp>
             <p:nvSpPr>
               <p:cNvPr id="68" name="Rectangle 67">
@@ -10374,8 +10199,8 @@
           </p:sp>
         </mc:Fallback>
       </mc:AlternateContent>
-      <mc:AlternateContent xmlns:mc="http://schemas.openxmlformats.org/markup-compatibility/2006">
-        <mc:Choice xmlns:a14="http://schemas.microsoft.com/office/drawing/2010/main" Requires="a14">
+      <mc:AlternateContent xmlns:mc="http://schemas.openxmlformats.org/markup-compatibility/2006" xmlns:a14="http://schemas.microsoft.com/office/drawing/2010/main">
+        <mc:Choice Requires="a14">
           <p:sp>
             <p:nvSpPr>
               <p:cNvPr id="71" name="Rectangle 70">
@@ -10457,7 +10282,7 @@
             </p:txBody>
           </p:sp>
         </mc:Choice>
-        <mc:Fallback>
+        <mc:Fallback xmlns="">
           <p:sp>
             <p:nvSpPr>
               <p:cNvPr id="71" name="Rectangle 70">
@@ -10628,8 +10453,8 @@
           </a:p>
         </p:txBody>
       </p:sp>
-      <mc:AlternateContent xmlns:mc="http://schemas.openxmlformats.org/markup-compatibility/2006">
-        <mc:Choice xmlns:a14="http://schemas.microsoft.com/office/drawing/2010/main" Requires="a14">
+      <mc:AlternateContent xmlns:mc="http://schemas.openxmlformats.org/markup-compatibility/2006" xmlns:a14="http://schemas.microsoft.com/office/drawing/2010/main">
+        <mc:Choice Requires="a14">
           <p:sp>
             <p:nvSpPr>
               <p:cNvPr id="61" name="Hexagon 60">
@@ -10725,7 +10550,7 @@
             </p:txBody>
           </p:sp>
         </mc:Choice>
-        <mc:Fallback>
+        <mc:Fallback xmlns="">
           <p:sp>
             <p:nvSpPr>
               <p:cNvPr id="61" name="Hexagon 60">
@@ -10778,8 +10603,8 @@
           </p:sp>
         </mc:Fallback>
       </mc:AlternateContent>
-      <mc:AlternateContent xmlns:mc="http://schemas.openxmlformats.org/markup-compatibility/2006">
-        <mc:Choice xmlns:a14="http://schemas.microsoft.com/office/drawing/2010/main" Requires="a14">
+      <mc:AlternateContent xmlns:mc="http://schemas.openxmlformats.org/markup-compatibility/2006" xmlns:a14="http://schemas.microsoft.com/office/drawing/2010/main">
+        <mc:Choice Requires="a14">
           <p:sp>
             <p:nvSpPr>
               <p:cNvPr id="62" name="Hexagon 61">
@@ -10875,7 +10700,7 @@
             </p:txBody>
           </p:sp>
         </mc:Choice>
-        <mc:Fallback>
+        <mc:Fallback xmlns="">
           <p:sp>
             <p:nvSpPr>
               <p:cNvPr id="62" name="Hexagon 61">
@@ -10928,8 +10753,8 @@
           </p:sp>
         </mc:Fallback>
       </mc:AlternateContent>
-      <mc:AlternateContent xmlns:mc="http://schemas.openxmlformats.org/markup-compatibility/2006">
-        <mc:Choice xmlns:a14="http://schemas.microsoft.com/office/drawing/2010/main" Requires="a14">
+      <mc:AlternateContent xmlns:mc="http://schemas.openxmlformats.org/markup-compatibility/2006" xmlns:a14="http://schemas.microsoft.com/office/drawing/2010/main">
+        <mc:Choice Requires="a14">
           <p:sp>
             <p:nvSpPr>
               <p:cNvPr id="63" name="Hexagon 62">
@@ -11025,7 +10850,7 @@
             </p:txBody>
           </p:sp>
         </mc:Choice>
-        <mc:Fallback>
+        <mc:Fallback xmlns="">
           <p:sp>
             <p:nvSpPr>
               <p:cNvPr id="63" name="Hexagon 62">
@@ -11078,8 +10903,8 @@
           </p:sp>
         </mc:Fallback>
       </mc:AlternateContent>
-      <mc:AlternateContent xmlns:mc="http://schemas.openxmlformats.org/markup-compatibility/2006">
-        <mc:Choice xmlns:a14="http://schemas.microsoft.com/office/drawing/2010/main" Requires="a14">
+      <mc:AlternateContent xmlns:mc="http://schemas.openxmlformats.org/markup-compatibility/2006" xmlns:a14="http://schemas.microsoft.com/office/drawing/2010/main">
+        <mc:Choice Requires="a14">
           <p:sp>
             <p:nvSpPr>
               <p:cNvPr id="64" name="Hexagon 63">
@@ -11175,7 +11000,7 @@
             </p:txBody>
           </p:sp>
         </mc:Choice>
-        <mc:Fallback>
+        <mc:Fallback xmlns="">
           <p:sp>
             <p:nvSpPr>
               <p:cNvPr id="64" name="Hexagon 63">
@@ -24720,6 +24545,4512 @@
 </p:sld>
 </file>
 
+<file path=ppt/slides/slide6.xml><?xml version="1.0" encoding="utf-8"?>
+<p:sld xmlns:a="http://schemas.openxmlformats.org/drawingml/2006/main" xmlns:r="http://schemas.openxmlformats.org/officeDocument/2006/relationships" xmlns:p="http://schemas.openxmlformats.org/presentationml/2006/main">
+  <p:cSld>
+    <p:spTree>
+      <p:nvGrpSpPr>
+        <p:cNvPr id="1" name=""/>
+        <p:cNvGrpSpPr/>
+        <p:nvPr/>
+      </p:nvGrpSpPr>
+      <p:grpSpPr>
+        <a:xfrm>
+          <a:off x="0" y="0"/>
+          <a:ext cx="0" cy="0"/>
+          <a:chOff x="0" y="0"/>
+          <a:chExt cx="0" cy="0"/>
+        </a:xfrm>
+      </p:grpSpPr>
+      <p:sp>
+        <p:nvSpPr>
+          <p:cNvPr id="109" name="TextBox 108"/>
+          <p:cNvSpPr txBox="1"/>
+          <p:nvPr/>
+        </p:nvSpPr>
+        <p:spPr>
+          <a:xfrm>
+            <a:off x="804046" y="3571293"/>
+            <a:ext cx="11035446" cy="369332"/>
+          </a:xfrm>
+          <a:prstGeom prst="rect">
+            <a:avLst/>
+          </a:prstGeom>
+          <a:noFill/>
+        </p:spPr>
+        <p:txBody>
+          <a:bodyPr wrap="square" rtlCol="0">
+            <a:spAutoFit/>
+          </a:bodyPr>
+          <a:lstStyle/>
+          <a:p>
+            <a:r>
+              <a:rPr lang="en-GB" dirty="0"/>
+              <a:t>Sum Scores and Mean Scores</a:t>
+            </a:r>
+          </a:p>
+        </p:txBody>
+      </p:sp>
+      <p:sp>
+        <p:nvSpPr>
+          <p:cNvPr id="37" name="TextBox 36">
+            <a:extLst>
+              <a:ext uri="{FF2B5EF4-FFF2-40B4-BE49-F238E27FC236}">
+                <a16:creationId xmlns:a16="http://schemas.microsoft.com/office/drawing/2014/main" id="{D5A34105-8C4D-419A-B4D2-EBAD62BEB70A}"/>
+              </a:ext>
+            </a:extLst>
+          </p:cNvPr>
+          <p:cNvSpPr txBox="1"/>
+          <p:nvPr/>
+        </p:nvSpPr>
+        <p:spPr>
+          <a:xfrm>
+            <a:off x="6321769" y="646110"/>
+            <a:ext cx="5468850" cy="2585323"/>
+          </a:xfrm>
+          <a:prstGeom prst="rect">
+            <a:avLst/>
+          </a:prstGeom>
+          <a:noFill/>
+        </p:spPr>
+        <p:txBody>
+          <a:bodyPr wrap="square" rtlCol="0">
+            <a:spAutoFit/>
+          </a:bodyPr>
+          <a:lstStyle/>
+          <a:p>
+            <a:r>
+              <a:rPr lang="en-GB" i="0" dirty="0">
+                <a:solidFill>
+                  <a:srgbClr val="333333"/>
+                </a:solidFill>
+                <a:latin typeface="Figtree"/>
+              </a:rPr>
+              <a:t>Typically, the factor analytic models that we fit will estimate:</a:t>
+            </a:r>
+            <a:br>
+              <a:rPr lang="en-GB" i="0" dirty="0">
+                <a:solidFill>
+                  <a:srgbClr val="333333"/>
+                </a:solidFill>
+                <a:latin typeface="Figtree"/>
+              </a:rPr>
+            </a:br>
+            <a:endParaRPr lang="en-GB" i="0" dirty="0">
+              <a:solidFill>
+                <a:srgbClr val="333333"/>
+              </a:solidFill>
+              <a:latin typeface="Figtree"/>
+            </a:endParaRPr>
+          </a:p>
+          <a:p>
+            <a:pPr marL="285750" indent="-285750">
+              <a:buFontTx/>
+              <a:buChar char="-"/>
+            </a:pPr>
+            <a:r>
+              <a:rPr lang="en-GB" i="0" dirty="0">
+                <a:solidFill>
+                  <a:srgbClr val="333333"/>
+                </a:solidFill>
+                <a:latin typeface="Figtree"/>
+              </a:rPr>
+              <a:t>item-specific loadings, denoted by </a:t>
+            </a:r>
+            <a:r>
+              <a:rPr lang="el-GR" i="0" dirty="0">
+                <a:solidFill>
+                  <a:srgbClr val="333333"/>
+                </a:solidFill>
+                <a:latin typeface="Cambria Math" panose="02040503050406030204" pitchFamily="18" charset="0"/>
+                <a:ea typeface="Cambria Math" panose="02040503050406030204" pitchFamily="18" charset="0"/>
+              </a:rPr>
+              <a:t>λ</a:t>
+            </a:r>
+            <a:r>
+              <a:rPr lang="en-GB" i="0" dirty="0">
+                <a:solidFill>
+                  <a:srgbClr val="333333"/>
+                </a:solidFill>
+                <a:latin typeface="Cambria Math" panose="02040503050406030204" pitchFamily="18" charset="0"/>
+                <a:ea typeface="Cambria Math" panose="02040503050406030204" pitchFamily="18" charset="0"/>
+              </a:rPr>
+              <a:t> (“lambda”)</a:t>
+            </a:r>
+            <a:endParaRPr lang="en-GB" dirty="0">
+              <a:solidFill>
+                <a:srgbClr val="333333"/>
+              </a:solidFill>
+              <a:latin typeface="Figtree"/>
+              <a:ea typeface="Cambria Math" panose="02040503050406030204" pitchFamily="18" charset="0"/>
+            </a:endParaRPr>
+          </a:p>
+          <a:p>
+            <a:pPr marL="285750" indent="-285750">
+              <a:buFontTx/>
+              <a:buChar char="-"/>
+            </a:pPr>
+            <a:r>
+              <a:rPr lang="en-GB" i="0" dirty="0">
+                <a:solidFill>
+                  <a:srgbClr val="333333"/>
+                </a:solidFill>
+                <a:latin typeface="Figtree"/>
+              </a:rPr>
+              <a:t>item-specific variances, denoted by </a:t>
+            </a:r>
+            <a:r>
+              <a:rPr lang="el-GR" i="0" dirty="0">
+                <a:solidFill>
+                  <a:srgbClr val="333333"/>
+                </a:solidFill>
+                <a:latin typeface="Cambria Math" panose="02040503050406030204" pitchFamily="18" charset="0"/>
+                <a:ea typeface="Cambria Math" panose="02040503050406030204" pitchFamily="18" charset="0"/>
+              </a:rPr>
+              <a:t>θ</a:t>
+            </a:r>
+            <a:r>
+              <a:rPr lang="en-GB" i="0" dirty="0">
+                <a:solidFill>
+                  <a:srgbClr val="333333"/>
+                </a:solidFill>
+                <a:latin typeface="Cambria Math" panose="02040503050406030204" pitchFamily="18" charset="0"/>
+                <a:ea typeface="Cambria Math" panose="02040503050406030204" pitchFamily="18" charset="0"/>
+              </a:rPr>
+              <a:t> (“theta”)</a:t>
+            </a:r>
+            <a:r>
+              <a:rPr lang="en-GB" i="0" dirty="0">
+                <a:solidFill>
+                  <a:srgbClr val="333333"/>
+                </a:solidFill>
+                <a:latin typeface="Figtree"/>
+              </a:rPr>
+              <a:t>. </a:t>
+            </a:r>
+          </a:p>
+          <a:p>
+            <a:br>
+              <a:rPr lang="en-GB" dirty="0">
+                <a:solidFill>
+                  <a:srgbClr val="333333"/>
+                </a:solidFill>
+                <a:latin typeface="Figtree"/>
+              </a:rPr>
+            </a:br>
+            <a:r>
+              <a:rPr lang="en-GB" i="0" dirty="0">
+                <a:solidFill>
+                  <a:srgbClr val="333333"/>
+                </a:solidFill>
+                <a:latin typeface="Figtree"/>
+              </a:rPr>
+              <a:t>The scaling of the latent variable is defined by setting its variance to 1 (or sometimes we fix a single loading to 1 instead). </a:t>
+            </a:r>
+            <a:endParaRPr lang="en-GB" dirty="0"/>
+          </a:p>
+        </p:txBody>
+      </p:sp>
+      <p:grpSp>
+        <p:nvGrpSpPr>
+          <p:cNvPr id="13" name="Group 12">
+            <a:extLst>
+              <a:ext uri="{FF2B5EF4-FFF2-40B4-BE49-F238E27FC236}">
+                <a16:creationId xmlns:a16="http://schemas.microsoft.com/office/drawing/2014/main" id="{53F7B3F7-5E88-4DC3-AE72-5C9008E19F0A}"/>
+              </a:ext>
+            </a:extLst>
+          </p:cNvPr>
+          <p:cNvGrpSpPr/>
+          <p:nvPr/>
+        </p:nvGrpSpPr>
+        <p:grpSpPr>
+          <a:xfrm>
+            <a:off x="964349" y="4109658"/>
+            <a:ext cx="5275298" cy="2286000"/>
+            <a:chOff x="6238304" y="832837"/>
+            <a:chExt cx="5275298" cy="2286000"/>
+          </a:xfrm>
+        </p:grpSpPr>
+        <mc:AlternateContent xmlns:mc="http://schemas.openxmlformats.org/markup-compatibility/2006">
+          <mc:Choice xmlns:a14="http://schemas.microsoft.com/office/drawing/2010/main" Requires="a14">
+            <p:sp>
+              <p:nvSpPr>
+                <p:cNvPr id="73" name="Rectangle 72">
+                  <a:extLst>
+                    <a:ext uri="{FF2B5EF4-FFF2-40B4-BE49-F238E27FC236}">
+                      <a16:creationId xmlns:a16="http://schemas.microsoft.com/office/drawing/2014/main" id="{04E20B57-6B59-42BA-840D-E2CC520BA097}"/>
+                    </a:ext>
+                  </a:extLst>
+                </p:cNvPr>
+                <p:cNvSpPr/>
+                <p:nvPr/>
+              </p:nvSpPr>
+              <p:spPr>
+                <a:xfrm>
+                  <a:off x="9158590" y="832837"/>
+                  <a:ext cx="609600" cy="609600"/>
+                </a:xfrm>
+                <a:prstGeom prst="rect">
+                  <a:avLst/>
+                </a:prstGeom>
+                <a:solidFill>
+                  <a:schemeClr val="accent6">
+                    <a:lumMod val="60000"/>
+                    <a:lumOff val="40000"/>
+                  </a:schemeClr>
+                </a:solidFill>
+              </p:spPr>
+              <p:style>
+                <a:lnRef idx="2">
+                  <a:schemeClr val="accent1">
+                    <a:shade val="50000"/>
+                  </a:schemeClr>
+                </a:lnRef>
+                <a:fillRef idx="1">
+                  <a:schemeClr val="accent1"/>
+                </a:fillRef>
+                <a:effectRef idx="0">
+                  <a:schemeClr val="accent1"/>
+                </a:effectRef>
+                <a:fontRef idx="minor">
+                  <a:schemeClr val="lt1"/>
+                </a:fontRef>
+              </p:style>
+              <p:txBody>
+                <a:bodyPr rtlCol="0" anchor="ctr"/>
+                <a:lstStyle/>
+                <a:p>
+                  <a:pPr algn="just"/>
+                  <a14:m>
+                    <m:oMathPara xmlns:m="http://schemas.openxmlformats.org/officeDocument/2006/math">
+                      <m:oMathParaPr>
+                        <m:jc m:val="center"/>
+                      </m:oMathParaPr>
+                      <m:oMath xmlns:m="http://schemas.openxmlformats.org/officeDocument/2006/math">
+                        <m:sSub>
+                          <m:sSubPr>
+                            <m:ctrlPr>
+                              <a:rPr lang="en-GB" i="1">
+                                <a:latin typeface="Cambria Math" panose="02040503050406030204" pitchFamily="18" charset="0"/>
+                              </a:rPr>
+                            </m:ctrlPr>
+                          </m:sSubPr>
+                          <m:e>
+                            <m:r>
+                              <a:rPr lang="en-GB" i="1">
+                                <a:latin typeface="Cambria Math" panose="02040503050406030204" pitchFamily="18" charset="0"/>
+                              </a:rPr>
+                              <m:t>𝑦</m:t>
+                            </m:r>
+                          </m:e>
+                          <m:sub>
+                            <m:r>
+                              <a:rPr lang="en-GB" i="1">
+                                <a:latin typeface="Cambria Math" panose="02040503050406030204" pitchFamily="18" charset="0"/>
+                              </a:rPr>
+                              <m:t>1</m:t>
+                            </m:r>
+                          </m:sub>
+                        </m:sSub>
+                      </m:oMath>
+                    </m:oMathPara>
+                  </a14:m>
+                  <a:endParaRPr lang="en-GB" dirty="0"/>
+                </a:p>
+              </p:txBody>
+            </p:sp>
+          </mc:Choice>
+          <mc:Fallback>
+            <p:sp>
+              <p:nvSpPr>
+                <p:cNvPr id="73" name="Rectangle 72">
+                  <a:extLst>
+                    <a:ext uri="{FF2B5EF4-FFF2-40B4-BE49-F238E27FC236}">
+                      <a16:creationId xmlns:a16="http://schemas.microsoft.com/office/drawing/2014/main" id="{04E20B57-6B59-42BA-840D-E2CC520BA097}"/>
+                    </a:ext>
+                  </a:extLst>
+                </p:cNvPr>
+                <p:cNvSpPr>
+                  <a:spLocks noRot="1" noChangeAspect="1" noMove="1" noResize="1" noEditPoints="1" noAdjustHandles="1" noChangeArrowheads="1" noChangeShapeType="1" noTextEdit="1"/>
+                </p:cNvSpPr>
+                <p:nvPr/>
+              </p:nvSpPr>
+              <p:spPr>
+                <a:xfrm>
+                  <a:off x="9158590" y="832837"/>
+                  <a:ext cx="609600" cy="609600"/>
+                </a:xfrm>
+                <a:prstGeom prst="rect">
+                  <a:avLst/>
+                </a:prstGeom>
+                <a:blipFill>
+                  <a:blip r:embed="rId2"/>
+                  <a:stretch>
+                    <a:fillRect/>
+                  </a:stretch>
+                </a:blipFill>
+              </p:spPr>
+              <p:txBody>
+                <a:bodyPr/>
+                <a:lstStyle/>
+                <a:p>
+                  <a:r>
+                    <a:rPr lang="en-GB">
+                      <a:noFill/>
+                    </a:rPr>
+                    <a:t> </a:t>
+                  </a:r>
+                </a:p>
+              </p:txBody>
+            </p:sp>
+          </mc:Fallback>
+        </mc:AlternateContent>
+        <mc:AlternateContent xmlns:mc="http://schemas.openxmlformats.org/markup-compatibility/2006">
+          <mc:Choice xmlns:a14="http://schemas.microsoft.com/office/drawing/2010/main" Requires="a14">
+            <p:sp>
+              <p:nvSpPr>
+                <p:cNvPr id="74" name="Rectangle 73">
+                  <a:extLst>
+                    <a:ext uri="{FF2B5EF4-FFF2-40B4-BE49-F238E27FC236}">
+                      <a16:creationId xmlns:a16="http://schemas.microsoft.com/office/drawing/2014/main" id="{1C726F2D-B43B-45DB-A44D-F0F06E83C98A}"/>
+                    </a:ext>
+                  </a:extLst>
+                </p:cNvPr>
+                <p:cNvSpPr/>
+                <p:nvPr/>
+              </p:nvSpPr>
+              <p:spPr>
+                <a:xfrm>
+                  <a:off x="9158590" y="1673214"/>
+                  <a:ext cx="609600" cy="609600"/>
+                </a:xfrm>
+                <a:prstGeom prst="rect">
+                  <a:avLst/>
+                </a:prstGeom>
+                <a:solidFill>
+                  <a:schemeClr val="accent6">
+                    <a:lumMod val="60000"/>
+                    <a:lumOff val="40000"/>
+                  </a:schemeClr>
+                </a:solidFill>
+              </p:spPr>
+              <p:style>
+                <a:lnRef idx="2">
+                  <a:schemeClr val="accent1">
+                    <a:shade val="50000"/>
+                  </a:schemeClr>
+                </a:lnRef>
+                <a:fillRef idx="1">
+                  <a:schemeClr val="accent1"/>
+                </a:fillRef>
+                <a:effectRef idx="0">
+                  <a:schemeClr val="accent1"/>
+                </a:effectRef>
+                <a:fontRef idx="minor">
+                  <a:schemeClr val="lt1"/>
+                </a:fontRef>
+              </p:style>
+              <p:txBody>
+                <a:bodyPr rtlCol="0" anchor="ctr"/>
+                <a:lstStyle/>
+                <a:p>
+                  <a:pPr algn="just"/>
+                  <a14:m>
+                    <m:oMathPara xmlns:m="http://schemas.openxmlformats.org/officeDocument/2006/math">
+                      <m:oMathParaPr>
+                        <m:jc m:val="center"/>
+                      </m:oMathParaPr>
+                      <m:oMath xmlns:m="http://schemas.openxmlformats.org/officeDocument/2006/math">
+                        <m:sSub>
+                          <m:sSubPr>
+                            <m:ctrlPr>
+                              <a:rPr lang="en-GB" i="1">
+                                <a:latin typeface="Cambria Math" panose="02040503050406030204" pitchFamily="18" charset="0"/>
+                              </a:rPr>
+                            </m:ctrlPr>
+                          </m:sSubPr>
+                          <m:e>
+                            <m:r>
+                              <a:rPr lang="en-GB" i="1">
+                                <a:latin typeface="Cambria Math" panose="02040503050406030204" pitchFamily="18" charset="0"/>
+                              </a:rPr>
+                              <m:t>𝑦</m:t>
+                            </m:r>
+                          </m:e>
+                          <m:sub>
+                            <m:r>
+                              <a:rPr lang="en-GB" i="1">
+                                <a:latin typeface="Cambria Math" panose="02040503050406030204" pitchFamily="18" charset="0"/>
+                              </a:rPr>
+                              <m:t>2</m:t>
+                            </m:r>
+                          </m:sub>
+                        </m:sSub>
+                      </m:oMath>
+                    </m:oMathPara>
+                  </a14:m>
+                  <a:endParaRPr lang="en-GB" dirty="0"/>
+                </a:p>
+              </p:txBody>
+            </p:sp>
+          </mc:Choice>
+          <mc:Fallback>
+            <p:sp>
+              <p:nvSpPr>
+                <p:cNvPr id="74" name="Rectangle 73">
+                  <a:extLst>
+                    <a:ext uri="{FF2B5EF4-FFF2-40B4-BE49-F238E27FC236}">
+                      <a16:creationId xmlns:a16="http://schemas.microsoft.com/office/drawing/2014/main" id="{1C726F2D-B43B-45DB-A44D-F0F06E83C98A}"/>
+                    </a:ext>
+                  </a:extLst>
+                </p:cNvPr>
+                <p:cNvSpPr>
+                  <a:spLocks noRot="1" noChangeAspect="1" noMove="1" noResize="1" noEditPoints="1" noAdjustHandles="1" noChangeArrowheads="1" noChangeShapeType="1" noTextEdit="1"/>
+                </p:cNvSpPr>
+                <p:nvPr/>
+              </p:nvSpPr>
+              <p:spPr>
+                <a:xfrm>
+                  <a:off x="9158590" y="1673214"/>
+                  <a:ext cx="609600" cy="609600"/>
+                </a:xfrm>
+                <a:prstGeom prst="rect">
+                  <a:avLst/>
+                </a:prstGeom>
+                <a:blipFill>
+                  <a:blip r:embed="rId3"/>
+                  <a:stretch>
+                    <a:fillRect/>
+                  </a:stretch>
+                </a:blipFill>
+              </p:spPr>
+              <p:txBody>
+                <a:bodyPr/>
+                <a:lstStyle/>
+                <a:p>
+                  <a:r>
+                    <a:rPr lang="en-GB">
+                      <a:noFill/>
+                    </a:rPr>
+                    <a:t> </a:t>
+                  </a:r>
+                </a:p>
+              </p:txBody>
+            </p:sp>
+          </mc:Fallback>
+        </mc:AlternateContent>
+        <mc:AlternateContent xmlns:mc="http://schemas.openxmlformats.org/markup-compatibility/2006">
+          <mc:Choice xmlns:a14="http://schemas.microsoft.com/office/drawing/2010/main" Requires="a14">
+            <p:sp>
+              <p:nvSpPr>
+                <p:cNvPr id="75" name="Rectangle 74">
+                  <a:extLst>
+                    <a:ext uri="{FF2B5EF4-FFF2-40B4-BE49-F238E27FC236}">
+                      <a16:creationId xmlns:a16="http://schemas.microsoft.com/office/drawing/2014/main" id="{1EC3E775-25E5-49E5-8875-F5E773943414}"/>
+                    </a:ext>
+                  </a:extLst>
+                </p:cNvPr>
+                <p:cNvSpPr/>
+                <p:nvPr/>
+              </p:nvSpPr>
+              <p:spPr>
+                <a:xfrm>
+                  <a:off x="9158590" y="2509237"/>
+                  <a:ext cx="609600" cy="609600"/>
+                </a:xfrm>
+                <a:prstGeom prst="rect">
+                  <a:avLst/>
+                </a:prstGeom>
+                <a:solidFill>
+                  <a:schemeClr val="accent6">
+                    <a:lumMod val="60000"/>
+                    <a:lumOff val="40000"/>
+                  </a:schemeClr>
+                </a:solidFill>
+              </p:spPr>
+              <p:style>
+                <a:lnRef idx="2">
+                  <a:schemeClr val="accent1">
+                    <a:shade val="50000"/>
+                  </a:schemeClr>
+                </a:lnRef>
+                <a:fillRef idx="1">
+                  <a:schemeClr val="accent1"/>
+                </a:fillRef>
+                <a:effectRef idx="0">
+                  <a:schemeClr val="accent1"/>
+                </a:effectRef>
+                <a:fontRef idx="minor">
+                  <a:schemeClr val="lt1"/>
+                </a:fontRef>
+              </p:style>
+              <p:txBody>
+                <a:bodyPr rtlCol="0" anchor="ctr"/>
+                <a:lstStyle/>
+                <a:p>
+                  <a:pPr algn="just"/>
+                  <a14:m>
+                    <m:oMathPara xmlns:m="http://schemas.openxmlformats.org/officeDocument/2006/math">
+                      <m:oMathParaPr>
+                        <m:jc m:val="center"/>
+                      </m:oMathParaPr>
+                      <m:oMath xmlns:m="http://schemas.openxmlformats.org/officeDocument/2006/math">
+                        <m:sSub>
+                          <m:sSubPr>
+                            <m:ctrlPr>
+                              <a:rPr lang="en-GB" i="1">
+                                <a:latin typeface="Cambria Math" panose="02040503050406030204" pitchFamily="18" charset="0"/>
+                              </a:rPr>
+                            </m:ctrlPr>
+                          </m:sSubPr>
+                          <m:e>
+                            <m:r>
+                              <a:rPr lang="en-GB" i="1">
+                                <a:latin typeface="Cambria Math" panose="02040503050406030204" pitchFamily="18" charset="0"/>
+                              </a:rPr>
+                              <m:t>𝑦</m:t>
+                            </m:r>
+                          </m:e>
+                          <m:sub>
+                            <m:r>
+                              <a:rPr lang="en-GB" i="1">
+                                <a:latin typeface="Cambria Math" panose="02040503050406030204" pitchFamily="18" charset="0"/>
+                              </a:rPr>
+                              <m:t>3</m:t>
+                            </m:r>
+                          </m:sub>
+                        </m:sSub>
+                      </m:oMath>
+                    </m:oMathPara>
+                  </a14:m>
+                  <a:endParaRPr lang="en-GB" dirty="0"/>
+                </a:p>
+              </p:txBody>
+            </p:sp>
+          </mc:Choice>
+          <mc:Fallback>
+            <p:sp>
+              <p:nvSpPr>
+                <p:cNvPr id="75" name="Rectangle 74">
+                  <a:extLst>
+                    <a:ext uri="{FF2B5EF4-FFF2-40B4-BE49-F238E27FC236}">
+                      <a16:creationId xmlns:a16="http://schemas.microsoft.com/office/drawing/2014/main" id="{1EC3E775-25E5-49E5-8875-F5E773943414}"/>
+                    </a:ext>
+                  </a:extLst>
+                </p:cNvPr>
+                <p:cNvSpPr>
+                  <a:spLocks noRot="1" noChangeAspect="1" noMove="1" noResize="1" noEditPoints="1" noAdjustHandles="1" noChangeArrowheads="1" noChangeShapeType="1" noTextEdit="1"/>
+                </p:cNvSpPr>
+                <p:nvPr/>
+              </p:nvSpPr>
+              <p:spPr>
+                <a:xfrm>
+                  <a:off x="9158590" y="2509237"/>
+                  <a:ext cx="609600" cy="609600"/>
+                </a:xfrm>
+                <a:prstGeom prst="rect">
+                  <a:avLst/>
+                </a:prstGeom>
+                <a:blipFill>
+                  <a:blip r:embed="rId4"/>
+                  <a:stretch>
+                    <a:fillRect/>
+                  </a:stretch>
+                </a:blipFill>
+              </p:spPr>
+              <p:txBody>
+                <a:bodyPr/>
+                <a:lstStyle/>
+                <a:p>
+                  <a:r>
+                    <a:rPr lang="en-GB">
+                      <a:noFill/>
+                    </a:rPr>
+                    <a:t> </a:t>
+                  </a:r>
+                </a:p>
+              </p:txBody>
+            </p:sp>
+          </mc:Fallback>
+        </mc:AlternateContent>
+        <mc:AlternateContent xmlns:mc="http://schemas.openxmlformats.org/markup-compatibility/2006">
+          <mc:Choice xmlns:a14="http://schemas.microsoft.com/office/drawing/2010/main" Requires="a14">
+            <p:sp>
+              <p:nvSpPr>
+                <p:cNvPr id="76" name="Oval 75">
+                  <a:extLst>
+                    <a:ext uri="{FF2B5EF4-FFF2-40B4-BE49-F238E27FC236}">
+                      <a16:creationId xmlns:a16="http://schemas.microsoft.com/office/drawing/2014/main" id="{A262B6D5-7F01-4B9C-BC0B-31507A87A227}"/>
+                    </a:ext>
+                  </a:extLst>
+                </p:cNvPr>
+                <p:cNvSpPr/>
+                <p:nvPr/>
+              </p:nvSpPr>
+              <p:spPr>
+                <a:xfrm>
+                  <a:off x="6238304" y="1597549"/>
+                  <a:ext cx="1402080" cy="736963"/>
+                </a:xfrm>
+                <a:prstGeom prst="ellipse">
+                  <a:avLst/>
+                </a:prstGeom>
+                <a:solidFill>
+                  <a:schemeClr val="accent6">
+                    <a:lumMod val="60000"/>
+                    <a:lumOff val="40000"/>
+                  </a:schemeClr>
+                </a:solidFill>
+              </p:spPr>
+              <p:style>
+                <a:lnRef idx="2">
+                  <a:schemeClr val="accent1">
+                    <a:shade val="50000"/>
+                  </a:schemeClr>
+                </a:lnRef>
+                <a:fillRef idx="1">
+                  <a:schemeClr val="accent1"/>
+                </a:fillRef>
+                <a:effectRef idx="0">
+                  <a:schemeClr val="accent1"/>
+                </a:effectRef>
+                <a:fontRef idx="minor">
+                  <a:schemeClr val="lt1"/>
+                </a:fontRef>
+              </p:style>
+              <p:txBody>
+                <a:bodyPr rtlCol="0" anchor="ctr"/>
+                <a:lstStyle/>
+                <a:p>
+                  <a:pPr algn="ctr"/>
+                  <a14:m>
+                    <m:oMathPara xmlns:m="http://schemas.openxmlformats.org/officeDocument/2006/math">
+                      <m:oMathParaPr>
+                        <m:jc m:val="centerGroup"/>
+                      </m:oMathParaPr>
+                      <m:oMath xmlns:m="http://schemas.openxmlformats.org/officeDocument/2006/math">
+                        <m:sSub>
+                          <m:sSubPr>
+                            <m:ctrlPr>
+                              <a:rPr lang="en-GB" i="1">
+                                <a:latin typeface="Cambria Math" panose="02040503050406030204" pitchFamily="18" charset="0"/>
+                              </a:rPr>
+                            </m:ctrlPr>
+                          </m:sSubPr>
+                          <m:e>
+                            <m:r>
+                              <a:rPr lang="en-GB" i="1">
+                                <a:latin typeface="Cambria Math" panose="02040503050406030204" pitchFamily="18" charset="0"/>
+                              </a:rPr>
+                              <m:t>𝐹</m:t>
+                            </m:r>
+                          </m:e>
+                          <m:sub>
+                            <m:r>
+                              <a:rPr lang="en-GB" i="1">
+                                <a:latin typeface="Cambria Math" panose="02040503050406030204" pitchFamily="18" charset="0"/>
+                              </a:rPr>
+                              <m:t>1</m:t>
+                            </m:r>
+                          </m:sub>
+                        </m:sSub>
+                      </m:oMath>
+                    </m:oMathPara>
+                  </a14:m>
+                  <a:endParaRPr lang="en-GB" dirty="0"/>
+                </a:p>
+              </p:txBody>
+            </p:sp>
+          </mc:Choice>
+          <mc:Fallback>
+            <p:sp>
+              <p:nvSpPr>
+                <p:cNvPr id="76" name="Oval 75">
+                  <a:extLst>
+                    <a:ext uri="{FF2B5EF4-FFF2-40B4-BE49-F238E27FC236}">
+                      <a16:creationId xmlns:a16="http://schemas.microsoft.com/office/drawing/2014/main" id="{A262B6D5-7F01-4B9C-BC0B-31507A87A227}"/>
+                    </a:ext>
+                  </a:extLst>
+                </p:cNvPr>
+                <p:cNvSpPr>
+                  <a:spLocks noRot="1" noChangeAspect="1" noMove="1" noResize="1" noEditPoints="1" noAdjustHandles="1" noChangeArrowheads="1" noChangeShapeType="1" noTextEdit="1"/>
+                </p:cNvSpPr>
+                <p:nvPr/>
+              </p:nvSpPr>
+              <p:spPr>
+                <a:xfrm>
+                  <a:off x="6238304" y="1597549"/>
+                  <a:ext cx="1402080" cy="736963"/>
+                </a:xfrm>
+                <a:prstGeom prst="ellipse">
+                  <a:avLst/>
+                </a:prstGeom>
+                <a:blipFill>
+                  <a:blip r:embed="rId5"/>
+                  <a:stretch>
+                    <a:fillRect/>
+                  </a:stretch>
+                </a:blipFill>
+              </p:spPr>
+              <p:txBody>
+                <a:bodyPr/>
+                <a:lstStyle/>
+                <a:p>
+                  <a:r>
+                    <a:rPr lang="en-GB">
+                      <a:noFill/>
+                    </a:rPr>
+                    <a:t> </a:t>
+                  </a:r>
+                </a:p>
+              </p:txBody>
+            </p:sp>
+          </mc:Fallback>
+        </mc:AlternateContent>
+        <p:cxnSp>
+          <p:nvCxnSpPr>
+            <p:cNvPr id="77" name="Straight Arrow Connector 76">
+              <a:extLst>
+                <a:ext uri="{FF2B5EF4-FFF2-40B4-BE49-F238E27FC236}">
+                  <a16:creationId xmlns:a16="http://schemas.microsoft.com/office/drawing/2014/main" id="{CC732E93-9070-40E7-8E4E-1588DEA814B0}"/>
+                </a:ext>
+              </a:extLst>
+            </p:cNvPr>
+            <p:cNvCxnSpPr>
+              <a:stCxn id="76" idx="6"/>
+              <a:endCxn id="73" idx="1"/>
+            </p:cNvCxnSpPr>
+            <p:nvPr/>
+          </p:nvCxnSpPr>
+          <p:spPr>
+            <a:xfrm flipV="1">
+              <a:off x="7640384" y="1137637"/>
+              <a:ext cx="1518206" cy="828394"/>
+            </a:xfrm>
+            <a:prstGeom prst="straightConnector1">
+              <a:avLst/>
+            </a:prstGeom>
+            <a:ln w="9525">
+              <a:solidFill>
+                <a:schemeClr val="tx1"/>
+              </a:solidFill>
+              <a:tailEnd type="triangle"/>
+            </a:ln>
+          </p:spPr>
+          <p:style>
+            <a:lnRef idx="1">
+              <a:schemeClr val="accent1"/>
+            </a:lnRef>
+            <a:fillRef idx="0">
+              <a:schemeClr val="accent1"/>
+            </a:fillRef>
+            <a:effectRef idx="0">
+              <a:schemeClr val="accent1"/>
+            </a:effectRef>
+            <a:fontRef idx="minor">
+              <a:schemeClr val="tx1"/>
+            </a:fontRef>
+          </p:style>
+        </p:cxnSp>
+        <p:cxnSp>
+          <p:nvCxnSpPr>
+            <p:cNvPr id="78" name="Straight Arrow Connector 77">
+              <a:extLst>
+                <a:ext uri="{FF2B5EF4-FFF2-40B4-BE49-F238E27FC236}">
+                  <a16:creationId xmlns:a16="http://schemas.microsoft.com/office/drawing/2014/main" id="{7A8CE326-079C-4D60-9737-C033D4091EEF}"/>
+                </a:ext>
+              </a:extLst>
+            </p:cNvPr>
+            <p:cNvCxnSpPr>
+              <a:stCxn id="76" idx="6"/>
+              <a:endCxn id="74" idx="1"/>
+            </p:cNvCxnSpPr>
+            <p:nvPr/>
+          </p:nvCxnSpPr>
+          <p:spPr>
+            <a:xfrm>
+              <a:off x="7640384" y="1966031"/>
+              <a:ext cx="1518206" cy="11983"/>
+            </a:xfrm>
+            <a:prstGeom prst="straightConnector1">
+              <a:avLst/>
+            </a:prstGeom>
+            <a:ln w="9525">
+              <a:solidFill>
+                <a:schemeClr val="tx1"/>
+              </a:solidFill>
+              <a:tailEnd type="triangle"/>
+            </a:ln>
+          </p:spPr>
+          <p:style>
+            <a:lnRef idx="1">
+              <a:schemeClr val="accent1"/>
+            </a:lnRef>
+            <a:fillRef idx="0">
+              <a:schemeClr val="accent1"/>
+            </a:fillRef>
+            <a:effectRef idx="0">
+              <a:schemeClr val="accent1"/>
+            </a:effectRef>
+            <a:fontRef idx="minor">
+              <a:schemeClr val="tx1"/>
+            </a:fontRef>
+          </p:style>
+        </p:cxnSp>
+        <p:cxnSp>
+          <p:nvCxnSpPr>
+            <p:cNvPr id="79" name="Straight Arrow Connector 78">
+              <a:extLst>
+                <a:ext uri="{FF2B5EF4-FFF2-40B4-BE49-F238E27FC236}">
+                  <a16:creationId xmlns:a16="http://schemas.microsoft.com/office/drawing/2014/main" id="{51849656-91C1-4F49-A05F-6C46CFD8B4D3}"/>
+                </a:ext>
+              </a:extLst>
+            </p:cNvPr>
+            <p:cNvCxnSpPr>
+              <a:cxnSpLocks/>
+              <a:stCxn id="76" idx="6"/>
+              <a:endCxn id="75" idx="1"/>
+            </p:cNvCxnSpPr>
+            <p:nvPr/>
+          </p:nvCxnSpPr>
+          <p:spPr>
+            <a:xfrm>
+              <a:off x="7640384" y="1966031"/>
+              <a:ext cx="1518206" cy="848006"/>
+            </a:xfrm>
+            <a:prstGeom prst="straightConnector1">
+              <a:avLst/>
+            </a:prstGeom>
+            <a:ln w="9525">
+              <a:solidFill>
+                <a:schemeClr val="tx1"/>
+              </a:solidFill>
+              <a:tailEnd type="triangle"/>
+            </a:ln>
+          </p:spPr>
+          <p:style>
+            <a:lnRef idx="1">
+              <a:schemeClr val="accent1"/>
+            </a:lnRef>
+            <a:fillRef idx="0">
+              <a:schemeClr val="accent1"/>
+            </a:fillRef>
+            <a:effectRef idx="0">
+              <a:schemeClr val="accent1"/>
+            </a:effectRef>
+            <a:fontRef idx="minor">
+              <a:schemeClr val="tx1"/>
+            </a:fontRef>
+          </p:style>
+        </p:cxnSp>
+        <mc:AlternateContent xmlns:mc="http://schemas.openxmlformats.org/markup-compatibility/2006">
+          <mc:Choice xmlns:a14="http://schemas.microsoft.com/office/drawing/2010/main" Requires="a14">
+            <p:sp>
+              <p:nvSpPr>
+                <p:cNvPr id="80" name="Oval 79">
+                  <a:extLst>
+                    <a:ext uri="{FF2B5EF4-FFF2-40B4-BE49-F238E27FC236}">
+                      <a16:creationId xmlns:a16="http://schemas.microsoft.com/office/drawing/2014/main" id="{FDE09596-D804-4207-BE89-BCCDCDCF51E6}"/>
+                    </a:ext>
+                  </a:extLst>
+                </p:cNvPr>
+                <p:cNvSpPr/>
+                <p:nvPr/>
+              </p:nvSpPr>
+              <p:spPr>
+                <a:xfrm>
+                  <a:off x="10310297" y="891347"/>
+                  <a:ext cx="500743" cy="496389"/>
+                </a:xfrm>
+                <a:prstGeom prst="ellipse">
+                  <a:avLst/>
+                </a:prstGeom>
+                <a:solidFill>
+                  <a:schemeClr val="accent6">
+                    <a:lumMod val="60000"/>
+                    <a:lumOff val="40000"/>
+                  </a:schemeClr>
+                </a:solidFill>
+              </p:spPr>
+              <p:style>
+                <a:lnRef idx="2">
+                  <a:schemeClr val="accent1">
+                    <a:shade val="50000"/>
+                  </a:schemeClr>
+                </a:lnRef>
+                <a:fillRef idx="1">
+                  <a:schemeClr val="accent1"/>
+                </a:fillRef>
+                <a:effectRef idx="0">
+                  <a:schemeClr val="accent1"/>
+                </a:effectRef>
+                <a:fontRef idx="minor">
+                  <a:schemeClr val="lt1"/>
+                </a:fontRef>
+              </p:style>
+              <p:txBody>
+                <a:bodyPr rtlCol="0" anchor="ctr"/>
+                <a:lstStyle/>
+                <a:p>
+                  <a:pPr algn="ctr"/>
+                  <a14:m>
+                    <m:oMathPara xmlns:m="http://schemas.openxmlformats.org/officeDocument/2006/math">
+                      <m:oMathParaPr>
+                        <m:jc m:val="centerGroup"/>
+                      </m:oMathParaPr>
+                      <m:oMath xmlns:m="http://schemas.openxmlformats.org/officeDocument/2006/math">
+                        <m:sSub>
+                          <m:sSubPr>
+                            <m:ctrlPr>
+                              <a:rPr lang="en-GB" i="1">
+                                <a:latin typeface="Cambria Math" panose="02040503050406030204" pitchFamily="18" charset="0"/>
+                              </a:rPr>
+                            </m:ctrlPr>
+                          </m:sSubPr>
+                          <m:e>
+                            <m:r>
+                              <a:rPr lang="en-GB" i="1">
+                                <a:latin typeface="Cambria Math" panose="02040503050406030204" pitchFamily="18" charset="0"/>
+                              </a:rPr>
+                              <m:t>𝑢</m:t>
+                            </m:r>
+                          </m:e>
+                          <m:sub>
+                            <m:r>
+                              <a:rPr lang="en-GB" i="1">
+                                <a:latin typeface="Cambria Math" panose="02040503050406030204" pitchFamily="18" charset="0"/>
+                              </a:rPr>
+                              <m:t>1</m:t>
+                            </m:r>
+                          </m:sub>
+                        </m:sSub>
+                      </m:oMath>
+                    </m:oMathPara>
+                  </a14:m>
+                  <a:endParaRPr lang="en-GB" dirty="0"/>
+                </a:p>
+              </p:txBody>
+            </p:sp>
+          </mc:Choice>
+          <mc:Fallback>
+            <p:sp>
+              <p:nvSpPr>
+                <p:cNvPr id="80" name="Oval 79">
+                  <a:extLst>
+                    <a:ext uri="{FF2B5EF4-FFF2-40B4-BE49-F238E27FC236}">
+                      <a16:creationId xmlns:a16="http://schemas.microsoft.com/office/drawing/2014/main" id="{FDE09596-D804-4207-BE89-BCCDCDCF51E6}"/>
+                    </a:ext>
+                  </a:extLst>
+                </p:cNvPr>
+                <p:cNvSpPr>
+                  <a:spLocks noRot="1" noChangeAspect="1" noMove="1" noResize="1" noEditPoints="1" noAdjustHandles="1" noChangeArrowheads="1" noChangeShapeType="1" noTextEdit="1"/>
+                </p:cNvSpPr>
+                <p:nvPr/>
+              </p:nvSpPr>
+              <p:spPr>
+                <a:xfrm>
+                  <a:off x="10310297" y="891347"/>
+                  <a:ext cx="500743" cy="496389"/>
+                </a:xfrm>
+                <a:prstGeom prst="ellipse">
+                  <a:avLst/>
+                </a:prstGeom>
+                <a:blipFill>
+                  <a:blip r:embed="rId6"/>
+                  <a:stretch>
+                    <a:fillRect/>
+                  </a:stretch>
+                </a:blipFill>
+              </p:spPr>
+              <p:txBody>
+                <a:bodyPr/>
+                <a:lstStyle/>
+                <a:p>
+                  <a:r>
+                    <a:rPr lang="en-GB">
+                      <a:noFill/>
+                    </a:rPr>
+                    <a:t> </a:t>
+                  </a:r>
+                </a:p>
+              </p:txBody>
+            </p:sp>
+          </mc:Fallback>
+        </mc:AlternateContent>
+        <mc:AlternateContent xmlns:mc="http://schemas.openxmlformats.org/markup-compatibility/2006">
+          <mc:Choice xmlns:a14="http://schemas.microsoft.com/office/drawing/2010/main" Requires="a14">
+            <p:sp>
+              <p:nvSpPr>
+                <p:cNvPr id="81" name="Oval 80">
+                  <a:extLst>
+                    <a:ext uri="{FF2B5EF4-FFF2-40B4-BE49-F238E27FC236}">
+                      <a16:creationId xmlns:a16="http://schemas.microsoft.com/office/drawing/2014/main" id="{435436D8-20AD-4FCF-8C5F-E5DBE468283A}"/>
+                    </a:ext>
+                  </a:extLst>
+                </p:cNvPr>
+                <p:cNvSpPr/>
+                <p:nvPr/>
+              </p:nvSpPr>
+              <p:spPr>
+                <a:xfrm>
+                  <a:off x="10310297" y="1725874"/>
+                  <a:ext cx="500743" cy="496389"/>
+                </a:xfrm>
+                <a:prstGeom prst="ellipse">
+                  <a:avLst/>
+                </a:prstGeom>
+                <a:solidFill>
+                  <a:schemeClr val="accent6">
+                    <a:lumMod val="60000"/>
+                    <a:lumOff val="40000"/>
+                  </a:schemeClr>
+                </a:solidFill>
+              </p:spPr>
+              <p:style>
+                <a:lnRef idx="2">
+                  <a:schemeClr val="accent1">
+                    <a:shade val="50000"/>
+                  </a:schemeClr>
+                </a:lnRef>
+                <a:fillRef idx="1">
+                  <a:schemeClr val="accent1"/>
+                </a:fillRef>
+                <a:effectRef idx="0">
+                  <a:schemeClr val="accent1"/>
+                </a:effectRef>
+                <a:fontRef idx="minor">
+                  <a:schemeClr val="lt1"/>
+                </a:fontRef>
+              </p:style>
+              <p:txBody>
+                <a:bodyPr rtlCol="0" anchor="ctr"/>
+                <a:lstStyle/>
+                <a:p>
+                  <a:pPr algn="ctr"/>
+                  <a14:m>
+                    <m:oMathPara xmlns:m="http://schemas.openxmlformats.org/officeDocument/2006/math">
+                      <m:oMathParaPr>
+                        <m:jc m:val="centerGroup"/>
+                      </m:oMathParaPr>
+                      <m:oMath xmlns:m="http://schemas.openxmlformats.org/officeDocument/2006/math">
+                        <m:sSub>
+                          <m:sSubPr>
+                            <m:ctrlPr>
+                              <a:rPr lang="en-GB" i="1">
+                                <a:latin typeface="Cambria Math" panose="02040503050406030204" pitchFamily="18" charset="0"/>
+                              </a:rPr>
+                            </m:ctrlPr>
+                          </m:sSubPr>
+                          <m:e>
+                            <m:r>
+                              <a:rPr lang="en-GB" i="1">
+                                <a:latin typeface="Cambria Math" panose="02040503050406030204" pitchFamily="18" charset="0"/>
+                              </a:rPr>
+                              <m:t>𝑢</m:t>
+                            </m:r>
+                          </m:e>
+                          <m:sub>
+                            <m:r>
+                              <a:rPr lang="en-GB" i="1">
+                                <a:latin typeface="Cambria Math" panose="02040503050406030204" pitchFamily="18" charset="0"/>
+                              </a:rPr>
+                              <m:t>2</m:t>
+                            </m:r>
+                          </m:sub>
+                        </m:sSub>
+                      </m:oMath>
+                    </m:oMathPara>
+                  </a14:m>
+                  <a:endParaRPr lang="en-GB" dirty="0"/>
+                </a:p>
+              </p:txBody>
+            </p:sp>
+          </mc:Choice>
+          <mc:Fallback>
+            <p:sp>
+              <p:nvSpPr>
+                <p:cNvPr id="81" name="Oval 80">
+                  <a:extLst>
+                    <a:ext uri="{FF2B5EF4-FFF2-40B4-BE49-F238E27FC236}">
+                      <a16:creationId xmlns:a16="http://schemas.microsoft.com/office/drawing/2014/main" id="{435436D8-20AD-4FCF-8C5F-E5DBE468283A}"/>
+                    </a:ext>
+                  </a:extLst>
+                </p:cNvPr>
+                <p:cNvSpPr>
+                  <a:spLocks noRot="1" noChangeAspect="1" noMove="1" noResize="1" noEditPoints="1" noAdjustHandles="1" noChangeArrowheads="1" noChangeShapeType="1" noTextEdit="1"/>
+                </p:cNvSpPr>
+                <p:nvPr/>
+              </p:nvSpPr>
+              <p:spPr>
+                <a:xfrm>
+                  <a:off x="10310297" y="1725874"/>
+                  <a:ext cx="500743" cy="496389"/>
+                </a:xfrm>
+                <a:prstGeom prst="ellipse">
+                  <a:avLst/>
+                </a:prstGeom>
+                <a:blipFill>
+                  <a:blip r:embed="rId7"/>
+                  <a:stretch>
+                    <a:fillRect/>
+                  </a:stretch>
+                </a:blipFill>
+              </p:spPr>
+              <p:txBody>
+                <a:bodyPr/>
+                <a:lstStyle/>
+                <a:p>
+                  <a:r>
+                    <a:rPr lang="en-GB">
+                      <a:noFill/>
+                    </a:rPr>
+                    <a:t> </a:t>
+                  </a:r>
+                </a:p>
+              </p:txBody>
+            </p:sp>
+          </mc:Fallback>
+        </mc:AlternateContent>
+        <mc:AlternateContent xmlns:mc="http://schemas.openxmlformats.org/markup-compatibility/2006">
+          <mc:Choice xmlns:a14="http://schemas.microsoft.com/office/drawing/2010/main" Requires="a14">
+            <p:sp>
+              <p:nvSpPr>
+                <p:cNvPr id="82" name="Oval 81">
+                  <a:extLst>
+                    <a:ext uri="{FF2B5EF4-FFF2-40B4-BE49-F238E27FC236}">
+                      <a16:creationId xmlns:a16="http://schemas.microsoft.com/office/drawing/2014/main" id="{221F26ED-7C3D-4DED-92EA-ABC2E5A22AA0}"/>
+                    </a:ext>
+                  </a:extLst>
+                </p:cNvPr>
+                <p:cNvSpPr/>
+                <p:nvPr/>
+              </p:nvSpPr>
+              <p:spPr>
+                <a:xfrm>
+                  <a:off x="10310297" y="2565842"/>
+                  <a:ext cx="500743" cy="496389"/>
+                </a:xfrm>
+                <a:prstGeom prst="ellipse">
+                  <a:avLst/>
+                </a:prstGeom>
+                <a:solidFill>
+                  <a:schemeClr val="accent6">
+                    <a:lumMod val="60000"/>
+                    <a:lumOff val="40000"/>
+                  </a:schemeClr>
+                </a:solidFill>
+              </p:spPr>
+              <p:style>
+                <a:lnRef idx="2">
+                  <a:schemeClr val="accent1">
+                    <a:shade val="50000"/>
+                  </a:schemeClr>
+                </a:lnRef>
+                <a:fillRef idx="1">
+                  <a:schemeClr val="accent1"/>
+                </a:fillRef>
+                <a:effectRef idx="0">
+                  <a:schemeClr val="accent1"/>
+                </a:effectRef>
+                <a:fontRef idx="minor">
+                  <a:schemeClr val="lt1"/>
+                </a:fontRef>
+              </p:style>
+              <p:txBody>
+                <a:bodyPr rtlCol="0" anchor="ctr"/>
+                <a:lstStyle/>
+                <a:p>
+                  <a:pPr algn="ctr"/>
+                  <a14:m>
+                    <m:oMathPara xmlns:m="http://schemas.openxmlformats.org/officeDocument/2006/math">
+                      <m:oMathParaPr>
+                        <m:jc m:val="centerGroup"/>
+                      </m:oMathParaPr>
+                      <m:oMath xmlns:m="http://schemas.openxmlformats.org/officeDocument/2006/math">
+                        <m:sSub>
+                          <m:sSubPr>
+                            <m:ctrlPr>
+                              <a:rPr lang="en-GB" i="1">
+                                <a:latin typeface="Cambria Math" panose="02040503050406030204" pitchFamily="18" charset="0"/>
+                              </a:rPr>
+                            </m:ctrlPr>
+                          </m:sSubPr>
+                          <m:e>
+                            <m:r>
+                              <a:rPr lang="en-GB" i="1">
+                                <a:latin typeface="Cambria Math" panose="02040503050406030204" pitchFamily="18" charset="0"/>
+                              </a:rPr>
+                              <m:t>𝑢</m:t>
+                            </m:r>
+                          </m:e>
+                          <m:sub>
+                            <m:r>
+                              <a:rPr lang="en-GB" i="1">
+                                <a:latin typeface="Cambria Math" panose="02040503050406030204" pitchFamily="18" charset="0"/>
+                              </a:rPr>
+                              <m:t>3</m:t>
+                            </m:r>
+                          </m:sub>
+                        </m:sSub>
+                      </m:oMath>
+                    </m:oMathPara>
+                  </a14:m>
+                  <a:endParaRPr lang="en-GB" dirty="0"/>
+                </a:p>
+              </p:txBody>
+            </p:sp>
+          </mc:Choice>
+          <mc:Fallback>
+            <p:sp>
+              <p:nvSpPr>
+                <p:cNvPr id="82" name="Oval 81">
+                  <a:extLst>
+                    <a:ext uri="{FF2B5EF4-FFF2-40B4-BE49-F238E27FC236}">
+                      <a16:creationId xmlns:a16="http://schemas.microsoft.com/office/drawing/2014/main" id="{221F26ED-7C3D-4DED-92EA-ABC2E5A22AA0}"/>
+                    </a:ext>
+                  </a:extLst>
+                </p:cNvPr>
+                <p:cNvSpPr>
+                  <a:spLocks noRot="1" noChangeAspect="1" noMove="1" noResize="1" noEditPoints="1" noAdjustHandles="1" noChangeArrowheads="1" noChangeShapeType="1" noTextEdit="1"/>
+                </p:cNvSpPr>
+                <p:nvPr/>
+              </p:nvSpPr>
+              <p:spPr>
+                <a:xfrm>
+                  <a:off x="10310297" y="2565842"/>
+                  <a:ext cx="500743" cy="496389"/>
+                </a:xfrm>
+                <a:prstGeom prst="ellipse">
+                  <a:avLst/>
+                </a:prstGeom>
+                <a:blipFill>
+                  <a:blip r:embed="rId8"/>
+                  <a:stretch>
+                    <a:fillRect/>
+                  </a:stretch>
+                </a:blipFill>
+              </p:spPr>
+              <p:txBody>
+                <a:bodyPr/>
+                <a:lstStyle/>
+                <a:p>
+                  <a:r>
+                    <a:rPr lang="en-GB">
+                      <a:noFill/>
+                    </a:rPr>
+                    <a:t> </a:t>
+                  </a:r>
+                </a:p>
+              </p:txBody>
+            </p:sp>
+          </mc:Fallback>
+        </mc:AlternateContent>
+        <p:cxnSp>
+          <p:nvCxnSpPr>
+            <p:cNvPr id="83" name="Straight Arrow Connector 82">
+              <a:extLst>
+                <a:ext uri="{FF2B5EF4-FFF2-40B4-BE49-F238E27FC236}">
+                  <a16:creationId xmlns:a16="http://schemas.microsoft.com/office/drawing/2014/main" id="{64DCCEA3-8125-44CA-A6B3-62A3B7D37427}"/>
+                </a:ext>
+              </a:extLst>
+            </p:cNvPr>
+            <p:cNvCxnSpPr>
+              <a:stCxn id="80" idx="2"/>
+              <a:endCxn id="73" idx="3"/>
+            </p:cNvCxnSpPr>
+            <p:nvPr/>
+          </p:nvCxnSpPr>
+          <p:spPr>
+            <a:xfrm flipH="1" flipV="1">
+              <a:off x="9768190" y="1137637"/>
+              <a:ext cx="542107" cy="1905"/>
+            </a:xfrm>
+            <a:prstGeom prst="straightConnector1">
+              <a:avLst/>
+            </a:prstGeom>
+            <a:ln w="9525">
+              <a:solidFill>
+                <a:schemeClr val="tx1"/>
+              </a:solidFill>
+              <a:tailEnd type="triangle"/>
+            </a:ln>
+          </p:spPr>
+          <p:style>
+            <a:lnRef idx="1">
+              <a:schemeClr val="accent1"/>
+            </a:lnRef>
+            <a:fillRef idx="0">
+              <a:schemeClr val="accent1"/>
+            </a:fillRef>
+            <a:effectRef idx="0">
+              <a:schemeClr val="accent1"/>
+            </a:effectRef>
+            <a:fontRef idx="minor">
+              <a:schemeClr val="tx1"/>
+            </a:fontRef>
+          </p:style>
+        </p:cxnSp>
+        <p:cxnSp>
+          <p:nvCxnSpPr>
+            <p:cNvPr id="85" name="Straight Arrow Connector 84">
+              <a:extLst>
+                <a:ext uri="{FF2B5EF4-FFF2-40B4-BE49-F238E27FC236}">
+                  <a16:creationId xmlns:a16="http://schemas.microsoft.com/office/drawing/2014/main" id="{944008E7-0134-4EF0-A2B0-AEE7B1253D7A}"/>
+                </a:ext>
+              </a:extLst>
+            </p:cNvPr>
+            <p:cNvCxnSpPr>
+              <a:stCxn id="81" idx="2"/>
+              <a:endCxn id="74" idx="3"/>
+            </p:cNvCxnSpPr>
+            <p:nvPr/>
+          </p:nvCxnSpPr>
+          <p:spPr>
+            <a:xfrm flipH="1">
+              <a:off x="9768190" y="1974069"/>
+              <a:ext cx="542107" cy="3945"/>
+            </a:xfrm>
+            <a:prstGeom prst="straightConnector1">
+              <a:avLst/>
+            </a:prstGeom>
+            <a:ln w="9525">
+              <a:solidFill>
+                <a:schemeClr val="tx1"/>
+              </a:solidFill>
+              <a:tailEnd type="triangle"/>
+            </a:ln>
+          </p:spPr>
+          <p:style>
+            <a:lnRef idx="1">
+              <a:schemeClr val="accent1"/>
+            </a:lnRef>
+            <a:fillRef idx="0">
+              <a:schemeClr val="accent1"/>
+            </a:fillRef>
+            <a:effectRef idx="0">
+              <a:schemeClr val="accent1"/>
+            </a:effectRef>
+            <a:fontRef idx="minor">
+              <a:schemeClr val="tx1"/>
+            </a:fontRef>
+          </p:style>
+        </p:cxnSp>
+        <p:cxnSp>
+          <p:nvCxnSpPr>
+            <p:cNvPr id="86" name="Straight Arrow Connector 85">
+              <a:extLst>
+                <a:ext uri="{FF2B5EF4-FFF2-40B4-BE49-F238E27FC236}">
+                  <a16:creationId xmlns:a16="http://schemas.microsoft.com/office/drawing/2014/main" id="{9532C466-3E0B-4173-BFD2-8315FE4FB9BF}"/>
+                </a:ext>
+              </a:extLst>
+            </p:cNvPr>
+            <p:cNvCxnSpPr>
+              <a:stCxn id="82" idx="2"/>
+              <a:endCxn id="75" idx="3"/>
+            </p:cNvCxnSpPr>
+            <p:nvPr/>
+          </p:nvCxnSpPr>
+          <p:spPr>
+            <a:xfrm flipH="1">
+              <a:off x="9768190" y="2814037"/>
+              <a:ext cx="542107" cy="0"/>
+            </a:xfrm>
+            <a:prstGeom prst="straightConnector1">
+              <a:avLst/>
+            </a:prstGeom>
+            <a:ln w="9525">
+              <a:solidFill>
+                <a:schemeClr val="tx1"/>
+              </a:solidFill>
+              <a:tailEnd type="triangle"/>
+            </a:ln>
+          </p:spPr>
+          <p:style>
+            <a:lnRef idx="1">
+              <a:schemeClr val="accent1"/>
+            </a:lnRef>
+            <a:fillRef idx="0">
+              <a:schemeClr val="accent1"/>
+            </a:fillRef>
+            <a:effectRef idx="0">
+              <a:schemeClr val="accent1"/>
+            </a:effectRef>
+            <a:fontRef idx="minor">
+              <a:schemeClr val="tx1"/>
+            </a:fontRef>
+          </p:style>
+        </p:cxnSp>
+        <mc:AlternateContent xmlns:mc="http://schemas.openxmlformats.org/markup-compatibility/2006">
+          <mc:Choice xmlns:a14="http://schemas.microsoft.com/office/drawing/2010/main" Requires="a14">
+            <p:sp>
+              <p:nvSpPr>
+                <p:cNvPr id="88" name="TextBox 87">
+                  <a:extLst>
+                    <a:ext uri="{FF2B5EF4-FFF2-40B4-BE49-F238E27FC236}">
+                      <a16:creationId xmlns:a16="http://schemas.microsoft.com/office/drawing/2014/main" id="{32955C5C-9ECC-4A27-832E-D23E411FDE53}"/>
+                    </a:ext>
+                  </a:extLst>
+                </p:cNvPr>
+                <p:cNvSpPr txBox="1"/>
+                <p:nvPr/>
+              </p:nvSpPr>
+              <p:spPr>
+                <a:xfrm>
+                  <a:off x="8098463" y="1182502"/>
+                  <a:ext cx="518020" cy="369332"/>
+                </a:xfrm>
+                <a:prstGeom prst="rect">
+                  <a:avLst/>
+                </a:prstGeom>
+                <a:noFill/>
+              </p:spPr>
+              <p:txBody>
+                <a:bodyPr wrap="square">
+                  <a:spAutoFit/>
+                </a:bodyPr>
+                <a:lstStyle/>
+                <a:p>
+                  <a:pPr/>
+                  <a14:m>
+                    <m:oMathPara xmlns:m="http://schemas.openxmlformats.org/officeDocument/2006/math">
+                      <m:oMathParaPr>
+                        <m:jc m:val="centerGroup"/>
+                      </m:oMathParaPr>
+                      <m:oMath xmlns:m="http://schemas.openxmlformats.org/officeDocument/2006/math">
+                        <m:r>
+                          <a:rPr lang="en-GB" i="1">
+                            <a:latin typeface="Cambria Math" panose="02040503050406030204" pitchFamily="18" charset="0"/>
+                          </a:rPr>
+                          <m:t>1</m:t>
+                        </m:r>
+                      </m:oMath>
+                    </m:oMathPara>
+                  </a14:m>
+                  <a:endParaRPr lang="en-GB" dirty="0"/>
+                </a:p>
+              </p:txBody>
+            </p:sp>
+          </mc:Choice>
+          <mc:Fallback>
+            <p:sp>
+              <p:nvSpPr>
+                <p:cNvPr id="88" name="TextBox 87">
+                  <a:extLst>
+                    <a:ext uri="{FF2B5EF4-FFF2-40B4-BE49-F238E27FC236}">
+                      <a16:creationId xmlns:a16="http://schemas.microsoft.com/office/drawing/2014/main" id="{32955C5C-9ECC-4A27-832E-D23E411FDE53}"/>
+                    </a:ext>
+                  </a:extLst>
+                </p:cNvPr>
+                <p:cNvSpPr txBox="1">
+                  <a:spLocks noRot="1" noChangeAspect="1" noMove="1" noResize="1" noEditPoints="1" noAdjustHandles="1" noChangeArrowheads="1" noChangeShapeType="1" noTextEdit="1"/>
+                </p:cNvSpPr>
+                <p:nvPr/>
+              </p:nvSpPr>
+              <p:spPr>
+                <a:xfrm>
+                  <a:off x="8098463" y="1182502"/>
+                  <a:ext cx="518020" cy="369332"/>
+                </a:xfrm>
+                <a:prstGeom prst="rect">
+                  <a:avLst/>
+                </a:prstGeom>
+                <a:blipFill>
+                  <a:blip r:embed="rId9"/>
+                  <a:stretch>
+                    <a:fillRect/>
+                  </a:stretch>
+                </a:blipFill>
+              </p:spPr>
+              <p:txBody>
+                <a:bodyPr/>
+                <a:lstStyle/>
+                <a:p>
+                  <a:r>
+                    <a:rPr lang="en-GB">
+                      <a:noFill/>
+                    </a:rPr>
+                    <a:t> </a:t>
+                  </a:r>
+                </a:p>
+              </p:txBody>
+            </p:sp>
+          </mc:Fallback>
+        </mc:AlternateContent>
+        <mc:AlternateContent xmlns:mc="http://schemas.openxmlformats.org/markup-compatibility/2006">
+          <mc:Choice xmlns:a14="http://schemas.microsoft.com/office/drawing/2010/main" Requires="a14">
+            <p:sp>
+              <p:nvSpPr>
+                <p:cNvPr id="93" name="TextBox 92">
+                  <a:extLst>
+                    <a:ext uri="{FF2B5EF4-FFF2-40B4-BE49-F238E27FC236}">
+                      <a16:creationId xmlns:a16="http://schemas.microsoft.com/office/drawing/2014/main" id="{353FCE89-BE33-4A64-A15B-45B8AC463C51}"/>
+                    </a:ext>
+                  </a:extLst>
+                </p:cNvPr>
+                <p:cNvSpPr txBox="1"/>
+                <p:nvPr/>
+              </p:nvSpPr>
+              <p:spPr>
+                <a:xfrm>
+                  <a:off x="8500349" y="1614943"/>
+                  <a:ext cx="518020" cy="369332"/>
+                </a:xfrm>
+                <a:prstGeom prst="rect">
+                  <a:avLst/>
+                </a:prstGeom>
+                <a:noFill/>
+              </p:spPr>
+              <p:txBody>
+                <a:bodyPr wrap="square">
+                  <a:spAutoFit/>
+                </a:bodyPr>
+                <a:lstStyle/>
+                <a:p>
+                  <a:pPr/>
+                  <a14:m>
+                    <m:oMathPara xmlns:m="http://schemas.openxmlformats.org/officeDocument/2006/math">
+                      <m:oMathParaPr>
+                        <m:jc m:val="centerGroup"/>
+                      </m:oMathParaPr>
+                      <m:oMath xmlns:m="http://schemas.openxmlformats.org/officeDocument/2006/math">
+                        <m:r>
+                          <a:rPr lang="en-GB" i="1">
+                            <a:latin typeface="Cambria Math" panose="02040503050406030204" pitchFamily="18" charset="0"/>
+                          </a:rPr>
+                          <m:t>1</m:t>
+                        </m:r>
+                      </m:oMath>
+                    </m:oMathPara>
+                  </a14:m>
+                  <a:endParaRPr lang="en-GB" dirty="0"/>
+                </a:p>
+              </p:txBody>
+            </p:sp>
+          </mc:Choice>
+          <mc:Fallback>
+            <p:sp>
+              <p:nvSpPr>
+                <p:cNvPr id="93" name="TextBox 92">
+                  <a:extLst>
+                    <a:ext uri="{FF2B5EF4-FFF2-40B4-BE49-F238E27FC236}">
+                      <a16:creationId xmlns:a16="http://schemas.microsoft.com/office/drawing/2014/main" id="{353FCE89-BE33-4A64-A15B-45B8AC463C51}"/>
+                    </a:ext>
+                  </a:extLst>
+                </p:cNvPr>
+                <p:cNvSpPr txBox="1">
+                  <a:spLocks noRot="1" noChangeAspect="1" noMove="1" noResize="1" noEditPoints="1" noAdjustHandles="1" noChangeArrowheads="1" noChangeShapeType="1" noTextEdit="1"/>
+                </p:cNvSpPr>
+                <p:nvPr/>
+              </p:nvSpPr>
+              <p:spPr>
+                <a:xfrm>
+                  <a:off x="8500349" y="1614943"/>
+                  <a:ext cx="518020" cy="369332"/>
+                </a:xfrm>
+                <a:prstGeom prst="rect">
+                  <a:avLst/>
+                </a:prstGeom>
+                <a:blipFill>
+                  <a:blip r:embed="rId10"/>
+                  <a:stretch>
+                    <a:fillRect/>
+                  </a:stretch>
+                </a:blipFill>
+              </p:spPr>
+              <p:txBody>
+                <a:bodyPr/>
+                <a:lstStyle/>
+                <a:p>
+                  <a:r>
+                    <a:rPr lang="en-GB">
+                      <a:noFill/>
+                    </a:rPr>
+                    <a:t> </a:t>
+                  </a:r>
+                </a:p>
+              </p:txBody>
+            </p:sp>
+          </mc:Fallback>
+        </mc:AlternateContent>
+        <mc:AlternateContent xmlns:mc="http://schemas.openxmlformats.org/markup-compatibility/2006">
+          <mc:Choice xmlns:a14="http://schemas.microsoft.com/office/drawing/2010/main" Requires="a14">
+            <p:sp>
+              <p:nvSpPr>
+                <p:cNvPr id="94" name="TextBox 93">
+                  <a:extLst>
+                    <a:ext uri="{FF2B5EF4-FFF2-40B4-BE49-F238E27FC236}">
+                      <a16:creationId xmlns:a16="http://schemas.microsoft.com/office/drawing/2014/main" id="{AAF72D17-B419-477C-95A4-17C34BC1E76D}"/>
+                    </a:ext>
+                  </a:extLst>
+                </p:cNvPr>
+                <p:cNvSpPr txBox="1"/>
+                <p:nvPr/>
+              </p:nvSpPr>
+              <p:spPr>
+                <a:xfrm>
+                  <a:off x="8198540" y="2405544"/>
+                  <a:ext cx="518020" cy="369332"/>
+                </a:xfrm>
+                <a:prstGeom prst="rect">
+                  <a:avLst/>
+                </a:prstGeom>
+                <a:noFill/>
+              </p:spPr>
+              <p:txBody>
+                <a:bodyPr wrap="square">
+                  <a:spAutoFit/>
+                </a:bodyPr>
+                <a:lstStyle/>
+                <a:p>
+                  <a:pPr/>
+                  <a14:m>
+                    <m:oMathPara xmlns:m="http://schemas.openxmlformats.org/officeDocument/2006/math">
+                      <m:oMathParaPr>
+                        <m:jc m:val="centerGroup"/>
+                      </m:oMathParaPr>
+                      <m:oMath xmlns:m="http://schemas.openxmlformats.org/officeDocument/2006/math">
+                        <m:r>
+                          <a:rPr lang="en-GB" i="1">
+                            <a:latin typeface="Cambria Math" panose="02040503050406030204" pitchFamily="18" charset="0"/>
+                          </a:rPr>
+                          <m:t>1</m:t>
+                        </m:r>
+                      </m:oMath>
+                    </m:oMathPara>
+                  </a14:m>
+                  <a:endParaRPr lang="en-GB" dirty="0"/>
+                </a:p>
+              </p:txBody>
+            </p:sp>
+          </mc:Choice>
+          <mc:Fallback>
+            <p:sp>
+              <p:nvSpPr>
+                <p:cNvPr id="94" name="TextBox 93">
+                  <a:extLst>
+                    <a:ext uri="{FF2B5EF4-FFF2-40B4-BE49-F238E27FC236}">
+                      <a16:creationId xmlns:a16="http://schemas.microsoft.com/office/drawing/2014/main" id="{AAF72D17-B419-477C-95A4-17C34BC1E76D}"/>
+                    </a:ext>
+                  </a:extLst>
+                </p:cNvPr>
+                <p:cNvSpPr txBox="1">
+                  <a:spLocks noRot="1" noChangeAspect="1" noMove="1" noResize="1" noEditPoints="1" noAdjustHandles="1" noChangeArrowheads="1" noChangeShapeType="1" noTextEdit="1"/>
+                </p:cNvSpPr>
+                <p:nvPr/>
+              </p:nvSpPr>
+              <p:spPr>
+                <a:xfrm>
+                  <a:off x="8198540" y="2405544"/>
+                  <a:ext cx="518020" cy="369332"/>
+                </a:xfrm>
+                <a:prstGeom prst="rect">
+                  <a:avLst/>
+                </a:prstGeom>
+                <a:blipFill>
+                  <a:blip r:embed="rId11"/>
+                  <a:stretch>
+                    <a:fillRect/>
+                  </a:stretch>
+                </a:blipFill>
+              </p:spPr>
+              <p:txBody>
+                <a:bodyPr/>
+                <a:lstStyle/>
+                <a:p>
+                  <a:r>
+                    <a:rPr lang="en-GB">
+                      <a:noFill/>
+                    </a:rPr>
+                    <a:t> </a:t>
+                  </a:r>
+                </a:p>
+              </p:txBody>
+            </p:sp>
+          </mc:Fallback>
+        </mc:AlternateContent>
+        <p:sp>
+          <p:nvSpPr>
+            <p:cNvPr id="103" name="Arc 102">
+              <a:extLst>
+                <a:ext uri="{FF2B5EF4-FFF2-40B4-BE49-F238E27FC236}">
+                  <a16:creationId xmlns:a16="http://schemas.microsoft.com/office/drawing/2014/main" id="{7E0EA1E1-DC22-489C-9B71-B9D4B59EFD38}"/>
+                </a:ext>
+              </a:extLst>
+            </p:cNvPr>
+            <p:cNvSpPr/>
+            <p:nvPr/>
+          </p:nvSpPr>
+          <p:spPr>
+            <a:xfrm rot="18116322">
+              <a:off x="10788011" y="981437"/>
+              <a:ext cx="346183" cy="332202"/>
+            </a:xfrm>
+            <a:prstGeom prst="arc">
+              <a:avLst>
+                <a:gd name="adj1" fmla="val 16200000"/>
+                <a:gd name="adj2" fmla="val 12519114"/>
+              </a:avLst>
+            </a:prstGeom>
+            <a:ln>
+              <a:headEnd type="triangle" w="med" len="med"/>
+              <a:tailEnd type="triangle" w="med" len="med"/>
+            </a:ln>
+          </p:spPr>
+          <p:style>
+            <a:lnRef idx="1">
+              <a:schemeClr val="dk1"/>
+            </a:lnRef>
+            <a:fillRef idx="0">
+              <a:schemeClr val="dk1"/>
+            </a:fillRef>
+            <a:effectRef idx="0">
+              <a:schemeClr val="dk1"/>
+            </a:effectRef>
+            <a:fontRef idx="minor">
+              <a:schemeClr val="tx1"/>
+            </a:fontRef>
+          </p:style>
+          <p:txBody>
+            <a:bodyPr rtlCol="0" anchor="ctr"/>
+            <a:lstStyle/>
+            <a:p>
+              <a:pPr algn="ctr"/>
+              <a:endParaRPr lang="en-GB"/>
+            </a:p>
+          </p:txBody>
+        </p:sp>
+        <mc:AlternateContent xmlns:mc="http://schemas.openxmlformats.org/markup-compatibility/2006">
+          <mc:Choice xmlns:a14="http://schemas.microsoft.com/office/drawing/2010/main" Requires="a14">
+            <p:sp>
+              <p:nvSpPr>
+                <p:cNvPr id="104" name="TextBox 103">
+                  <a:extLst>
+                    <a:ext uri="{FF2B5EF4-FFF2-40B4-BE49-F238E27FC236}">
+                      <a16:creationId xmlns:a16="http://schemas.microsoft.com/office/drawing/2014/main" id="{7F3B0EF5-246A-4A64-A49F-19708AB8DAEA}"/>
+                    </a:ext>
+                  </a:extLst>
+                </p:cNvPr>
+                <p:cNvSpPr txBox="1"/>
+                <p:nvPr/>
+              </p:nvSpPr>
+              <p:spPr>
+                <a:xfrm>
+                  <a:off x="10995582" y="951439"/>
+                  <a:ext cx="518020" cy="369332"/>
+                </a:xfrm>
+                <a:prstGeom prst="rect">
+                  <a:avLst/>
+                </a:prstGeom>
+                <a:noFill/>
+              </p:spPr>
+              <p:txBody>
+                <a:bodyPr wrap="square">
+                  <a:spAutoFit/>
+                </a:bodyPr>
+                <a:lstStyle/>
+                <a:p>
+                  <a:pPr/>
+                  <a14:m>
+                    <m:oMathPara xmlns:m="http://schemas.openxmlformats.org/officeDocument/2006/math">
+                      <m:oMathParaPr>
+                        <m:jc m:val="centerGroup"/>
+                      </m:oMathParaPr>
+                      <m:oMath xmlns:m="http://schemas.openxmlformats.org/officeDocument/2006/math">
+                        <m:r>
+                          <a:rPr lang="en-GB" i="1">
+                            <a:latin typeface="Cambria Math" panose="02040503050406030204" pitchFamily="18" charset="0"/>
+                          </a:rPr>
+                          <m:t>𝜃</m:t>
+                        </m:r>
+                      </m:oMath>
+                    </m:oMathPara>
+                  </a14:m>
+                  <a:endParaRPr lang="en-GB" dirty="0"/>
+                </a:p>
+              </p:txBody>
+            </p:sp>
+          </mc:Choice>
+          <mc:Fallback>
+            <p:sp>
+              <p:nvSpPr>
+                <p:cNvPr id="104" name="TextBox 103">
+                  <a:extLst>
+                    <a:ext uri="{FF2B5EF4-FFF2-40B4-BE49-F238E27FC236}">
+                      <a16:creationId xmlns:a16="http://schemas.microsoft.com/office/drawing/2014/main" id="{7F3B0EF5-246A-4A64-A49F-19708AB8DAEA}"/>
+                    </a:ext>
+                  </a:extLst>
+                </p:cNvPr>
+                <p:cNvSpPr txBox="1">
+                  <a:spLocks noRot="1" noChangeAspect="1" noMove="1" noResize="1" noEditPoints="1" noAdjustHandles="1" noChangeArrowheads="1" noChangeShapeType="1" noTextEdit="1"/>
+                </p:cNvSpPr>
+                <p:nvPr/>
+              </p:nvSpPr>
+              <p:spPr>
+                <a:xfrm>
+                  <a:off x="10995582" y="951439"/>
+                  <a:ext cx="518020" cy="369332"/>
+                </a:xfrm>
+                <a:prstGeom prst="rect">
+                  <a:avLst/>
+                </a:prstGeom>
+                <a:blipFill>
+                  <a:blip r:embed="rId12"/>
+                  <a:stretch>
+                    <a:fillRect/>
+                  </a:stretch>
+                </a:blipFill>
+              </p:spPr>
+              <p:txBody>
+                <a:bodyPr/>
+                <a:lstStyle/>
+                <a:p>
+                  <a:r>
+                    <a:rPr lang="en-GB">
+                      <a:noFill/>
+                    </a:rPr>
+                    <a:t> </a:t>
+                  </a:r>
+                </a:p>
+              </p:txBody>
+            </p:sp>
+          </mc:Fallback>
+        </mc:AlternateContent>
+        <p:sp>
+          <p:nvSpPr>
+            <p:cNvPr id="105" name="Arc 104">
+              <a:extLst>
+                <a:ext uri="{FF2B5EF4-FFF2-40B4-BE49-F238E27FC236}">
+                  <a16:creationId xmlns:a16="http://schemas.microsoft.com/office/drawing/2014/main" id="{F32BFB2C-6EF8-4613-A91D-7C07A6E72AC6}"/>
+                </a:ext>
+              </a:extLst>
+            </p:cNvPr>
+            <p:cNvSpPr/>
+            <p:nvPr/>
+          </p:nvSpPr>
+          <p:spPr>
+            <a:xfrm rot="18116322">
+              <a:off x="10788011" y="1785166"/>
+              <a:ext cx="346183" cy="332202"/>
+            </a:xfrm>
+            <a:prstGeom prst="arc">
+              <a:avLst>
+                <a:gd name="adj1" fmla="val 16200000"/>
+                <a:gd name="adj2" fmla="val 12519114"/>
+              </a:avLst>
+            </a:prstGeom>
+            <a:ln>
+              <a:headEnd type="triangle" w="med" len="med"/>
+              <a:tailEnd type="triangle" w="med" len="med"/>
+            </a:ln>
+          </p:spPr>
+          <p:style>
+            <a:lnRef idx="1">
+              <a:schemeClr val="dk1"/>
+            </a:lnRef>
+            <a:fillRef idx="0">
+              <a:schemeClr val="dk1"/>
+            </a:fillRef>
+            <a:effectRef idx="0">
+              <a:schemeClr val="dk1"/>
+            </a:effectRef>
+            <a:fontRef idx="minor">
+              <a:schemeClr val="tx1"/>
+            </a:fontRef>
+          </p:style>
+          <p:txBody>
+            <a:bodyPr rtlCol="0" anchor="ctr"/>
+            <a:lstStyle/>
+            <a:p>
+              <a:pPr algn="ctr"/>
+              <a:endParaRPr lang="en-GB"/>
+            </a:p>
+          </p:txBody>
+        </p:sp>
+        <p:sp>
+          <p:nvSpPr>
+            <p:cNvPr id="107" name="Arc 106">
+              <a:extLst>
+                <a:ext uri="{FF2B5EF4-FFF2-40B4-BE49-F238E27FC236}">
+                  <a16:creationId xmlns:a16="http://schemas.microsoft.com/office/drawing/2014/main" id="{9E190A24-EDD9-4340-8B71-8408C0BD2C96}"/>
+                </a:ext>
+              </a:extLst>
+            </p:cNvPr>
+            <p:cNvSpPr/>
+            <p:nvPr/>
+          </p:nvSpPr>
+          <p:spPr>
+            <a:xfrm rot="18116322">
+              <a:off x="10788011" y="2644061"/>
+              <a:ext cx="346183" cy="332202"/>
+            </a:xfrm>
+            <a:prstGeom prst="arc">
+              <a:avLst>
+                <a:gd name="adj1" fmla="val 16200000"/>
+                <a:gd name="adj2" fmla="val 12519114"/>
+              </a:avLst>
+            </a:prstGeom>
+            <a:ln>
+              <a:headEnd type="triangle" w="med" len="med"/>
+              <a:tailEnd type="triangle" w="med" len="med"/>
+            </a:ln>
+          </p:spPr>
+          <p:style>
+            <a:lnRef idx="1">
+              <a:schemeClr val="dk1"/>
+            </a:lnRef>
+            <a:fillRef idx="0">
+              <a:schemeClr val="dk1"/>
+            </a:fillRef>
+            <a:effectRef idx="0">
+              <a:schemeClr val="dk1"/>
+            </a:effectRef>
+            <a:fontRef idx="minor">
+              <a:schemeClr val="tx1"/>
+            </a:fontRef>
+          </p:style>
+          <p:txBody>
+            <a:bodyPr rtlCol="0" anchor="ctr"/>
+            <a:lstStyle/>
+            <a:p>
+              <a:pPr algn="ctr"/>
+              <a:endParaRPr lang="en-GB"/>
+            </a:p>
+          </p:txBody>
+        </p:sp>
+        <mc:AlternateContent xmlns:mc="http://schemas.openxmlformats.org/markup-compatibility/2006">
+          <mc:Choice xmlns:a14="http://schemas.microsoft.com/office/drawing/2010/main" Requires="a14">
+            <p:sp>
+              <p:nvSpPr>
+                <p:cNvPr id="110" name="TextBox 109">
+                  <a:extLst>
+                    <a:ext uri="{FF2B5EF4-FFF2-40B4-BE49-F238E27FC236}">
+                      <a16:creationId xmlns:a16="http://schemas.microsoft.com/office/drawing/2014/main" id="{03C4C096-F893-4B29-952C-F1A5F3F73387}"/>
+                    </a:ext>
+                  </a:extLst>
+                </p:cNvPr>
+                <p:cNvSpPr txBox="1"/>
+                <p:nvPr/>
+              </p:nvSpPr>
+              <p:spPr>
+                <a:xfrm>
+                  <a:off x="10986214" y="1751450"/>
+                  <a:ext cx="518020" cy="369332"/>
+                </a:xfrm>
+                <a:prstGeom prst="rect">
+                  <a:avLst/>
+                </a:prstGeom>
+                <a:noFill/>
+              </p:spPr>
+              <p:txBody>
+                <a:bodyPr wrap="square">
+                  <a:spAutoFit/>
+                </a:bodyPr>
+                <a:lstStyle/>
+                <a:p>
+                  <a:pPr/>
+                  <a14:m>
+                    <m:oMathPara xmlns:m="http://schemas.openxmlformats.org/officeDocument/2006/math">
+                      <m:oMathParaPr>
+                        <m:jc m:val="centerGroup"/>
+                      </m:oMathParaPr>
+                      <m:oMath xmlns:m="http://schemas.openxmlformats.org/officeDocument/2006/math">
+                        <m:r>
+                          <a:rPr lang="en-GB" i="1">
+                            <a:latin typeface="Cambria Math" panose="02040503050406030204" pitchFamily="18" charset="0"/>
+                          </a:rPr>
+                          <m:t>𝜃</m:t>
+                        </m:r>
+                      </m:oMath>
+                    </m:oMathPara>
+                  </a14:m>
+                  <a:endParaRPr lang="en-GB" dirty="0"/>
+                </a:p>
+              </p:txBody>
+            </p:sp>
+          </mc:Choice>
+          <mc:Fallback>
+            <p:sp>
+              <p:nvSpPr>
+                <p:cNvPr id="110" name="TextBox 109">
+                  <a:extLst>
+                    <a:ext uri="{FF2B5EF4-FFF2-40B4-BE49-F238E27FC236}">
+                      <a16:creationId xmlns:a16="http://schemas.microsoft.com/office/drawing/2014/main" id="{03C4C096-F893-4B29-952C-F1A5F3F73387}"/>
+                    </a:ext>
+                  </a:extLst>
+                </p:cNvPr>
+                <p:cNvSpPr txBox="1">
+                  <a:spLocks noRot="1" noChangeAspect="1" noMove="1" noResize="1" noEditPoints="1" noAdjustHandles="1" noChangeArrowheads="1" noChangeShapeType="1" noTextEdit="1"/>
+                </p:cNvSpPr>
+                <p:nvPr/>
+              </p:nvSpPr>
+              <p:spPr>
+                <a:xfrm>
+                  <a:off x="10986214" y="1751450"/>
+                  <a:ext cx="518020" cy="369332"/>
+                </a:xfrm>
+                <a:prstGeom prst="rect">
+                  <a:avLst/>
+                </a:prstGeom>
+                <a:blipFill>
+                  <a:blip r:embed="rId13"/>
+                  <a:stretch>
+                    <a:fillRect/>
+                  </a:stretch>
+                </a:blipFill>
+              </p:spPr>
+              <p:txBody>
+                <a:bodyPr/>
+                <a:lstStyle/>
+                <a:p>
+                  <a:r>
+                    <a:rPr lang="en-GB">
+                      <a:noFill/>
+                    </a:rPr>
+                    <a:t> </a:t>
+                  </a:r>
+                </a:p>
+              </p:txBody>
+            </p:sp>
+          </mc:Fallback>
+        </mc:AlternateContent>
+        <mc:AlternateContent xmlns:mc="http://schemas.openxmlformats.org/markup-compatibility/2006">
+          <mc:Choice xmlns:a14="http://schemas.microsoft.com/office/drawing/2010/main" Requires="a14">
+            <p:sp>
+              <p:nvSpPr>
+                <p:cNvPr id="111" name="TextBox 110">
+                  <a:extLst>
+                    <a:ext uri="{FF2B5EF4-FFF2-40B4-BE49-F238E27FC236}">
+                      <a16:creationId xmlns:a16="http://schemas.microsoft.com/office/drawing/2014/main" id="{43C27A1C-021C-4E51-BE8E-1B8320A225DB}"/>
+                    </a:ext>
+                  </a:extLst>
+                </p:cNvPr>
+                <p:cNvSpPr txBox="1"/>
+                <p:nvPr/>
+              </p:nvSpPr>
+              <p:spPr>
+                <a:xfrm>
+                  <a:off x="10992906" y="2625496"/>
+                  <a:ext cx="518020" cy="369332"/>
+                </a:xfrm>
+                <a:prstGeom prst="rect">
+                  <a:avLst/>
+                </a:prstGeom>
+                <a:noFill/>
+              </p:spPr>
+              <p:txBody>
+                <a:bodyPr wrap="square">
+                  <a:spAutoFit/>
+                </a:bodyPr>
+                <a:lstStyle/>
+                <a:p>
+                  <a:pPr/>
+                  <a14:m>
+                    <m:oMathPara xmlns:m="http://schemas.openxmlformats.org/officeDocument/2006/math">
+                      <m:oMathParaPr>
+                        <m:jc m:val="centerGroup"/>
+                      </m:oMathParaPr>
+                      <m:oMath xmlns:m="http://schemas.openxmlformats.org/officeDocument/2006/math">
+                        <m:r>
+                          <a:rPr lang="en-GB" i="1">
+                            <a:latin typeface="Cambria Math" panose="02040503050406030204" pitchFamily="18" charset="0"/>
+                          </a:rPr>
+                          <m:t>𝜃</m:t>
+                        </m:r>
+                      </m:oMath>
+                    </m:oMathPara>
+                  </a14:m>
+                  <a:endParaRPr lang="en-GB" dirty="0"/>
+                </a:p>
+              </p:txBody>
+            </p:sp>
+          </mc:Choice>
+          <mc:Fallback>
+            <p:sp>
+              <p:nvSpPr>
+                <p:cNvPr id="111" name="TextBox 110">
+                  <a:extLst>
+                    <a:ext uri="{FF2B5EF4-FFF2-40B4-BE49-F238E27FC236}">
+                      <a16:creationId xmlns:a16="http://schemas.microsoft.com/office/drawing/2014/main" id="{43C27A1C-021C-4E51-BE8E-1B8320A225DB}"/>
+                    </a:ext>
+                  </a:extLst>
+                </p:cNvPr>
+                <p:cNvSpPr txBox="1">
+                  <a:spLocks noRot="1" noChangeAspect="1" noMove="1" noResize="1" noEditPoints="1" noAdjustHandles="1" noChangeArrowheads="1" noChangeShapeType="1" noTextEdit="1"/>
+                </p:cNvSpPr>
+                <p:nvPr/>
+              </p:nvSpPr>
+              <p:spPr>
+                <a:xfrm>
+                  <a:off x="10992906" y="2625496"/>
+                  <a:ext cx="518020" cy="369332"/>
+                </a:xfrm>
+                <a:prstGeom prst="rect">
+                  <a:avLst/>
+                </a:prstGeom>
+                <a:blipFill>
+                  <a:blip r:embed="rId14"/>
+                  <a:stretch>
+                    <a:fillRect/>
+                  </a:stretch>
+                </a:blipFill>
+              </p:spPr>
+              <p:txBody>
+                <a:bodyPr/>
+                <a:lstStyle/>
+                <a:p>
+                  <a:r>
+                    <a:rPr lang="en-GB">
+                      <a:noFill/>
+                    </a:rPr>
+                    <a:t> </a:t>
+                  </a:r>
+                </a:p>
+              </p:txBody>
+            </p:sp>
+          </mc:Fallback>
+        </mc:AlternateContent>
+      </p:grpSp>
+      <p:sp>
+        <p:nvSpPr>
+          <p:cNvPr id="113" name="TextBox 112">
+            <a:extLst>
+              <a:ext uri="{FF2B5EF4-FFF2-40B4-BE49-F238E27FC236}">
+                <a16:creationId xmlns:a16="http://schemas.microsoft.com/office/drawing/2014/main" id="{7A30BC8D-77A2-4DD8-8FC5-C868DDAB497C}"/>
+              </a:ext>
+            </a:extLst>
+          </p:cNvPr>
+          <p:cNvSpPr txBox="1"/>
+          <p:nvPr/>
+        </p:nvSpPr>
+        <p:spPr>
+          <a:xfrm>
+            <a:off x="804046" y="151634"/>
+            <a:ext cx="2731069" cy="369332"/>
+          </a:xfrm>
+          <a:prstGeom prst="rect">
+            <a:avLst/>
+          </a:prstGeom>
+          <a:noFill/>
+        </p:spPr>
+        <p:txBody>
+          <a:bodyPr wrap="none" rtlCol="0">
+            <a:spAutoFit/>
+          </a:bodyPr>
+          <a:lstStyle/>
+          <a:p>
+            <a:r>
+              <a:rPr lang="en-GB" dirty="0"/>
+              <a:t>“Congeneric” Factor Model</a:t>
+            </a:r>
+          </a:p>
+        </p:txBody>
+      </p:sp>
+      <p:grpSp>
+        <p:nvGrpSpPr>
+          <p:cNvPr id="18" name="Group 17">
+            <a:extLst>
+              <a:ext uri="{FF2B5EF4-FFF2-40B4-BE49-F238E27FC236}">
+                <a16:creationId xmlns:a16="http://schemas.microsoft.com/office/drawing/2014/main" id="{1B389DDC-466E-496B-ADF2-524938A7476F}"/>
+              </a:ext>
+            </a:extLst>
+          </p:cNvPr>
+          <p:cNvGrpSpPr/>
+          <p:nvPr/>
+        </p:nvGrpSpPr>
+        <p:grpSpPr>
+          <a:xfrm>
+            <a:off x="346300" y="746392"/>
+            <a:ext cx="5893347" cy="2286000"/>
+            <a:chOff x="346300" y="746392"/>
+            <a:chExt cx="5893347" cy="2286000"/>
+          </a:xfrm>
+        </p:grpSpPr>
+        <mc:AlternateContent xmlns:mc="http://schemas.openxmlformats.org/markup-compatibility/2006">
+          <mc:Choice xmlns:a14="http://schemas.microsoft.com/office/drawing/2010/main" Requires="a14">
+            <p:sp>
+              <p:nvSpPr>
+                <p:cNvPr id="41" name="Rectangle 40"/>
+                <p:cNvSpPr/>
+                <p:nvPr/>
+              </p:nvSpPr>
+              <p:spPr>
+                <a:xfrm>
+                  <a:off x="3876186" y="746392"/>
+                  <a:ext cx="609600" cy="609600"/>
+                </a:xfrm>
+                <a:prstGeom prst="rect">
+                  <a:avLst/>
+                </a:prstGeom>
+                <a:solidFill>
+                  <a:schemeClr val="accent6">
+                    <a:lumMod val="60000"/>
+                    <a:lumOff val="40000"/>
+                  </a:schemeClr>
+                </a:solidFill>
+              </p:spPr>
+              <p:style>
+                <a:lnRef idx="2">
+                  <a:schemeClr val="accent1">
+                    <a:shade val="50000"/>
+                  </a:schemeClr>
+                </a:lnRef>
+                <a:fillRef idx="1">
+                  <a:schemeClr val="accent1"/>
+                </a:fillRef>
+                <a:effectRef idx="0">
+                  <a:schemeClr val="accent1"/>
+                </a:effectRef>
+                <a:fontRef idx="minor">
+                  <a:schemeClr val="lt1"/>
+                </a:fontRef>
+              </p:style>
+              <p:txBody>
+                <a:bodyPr rtlCol="0" anchor="ctr"/>
+                <a:lstStyle/>
+                <a:p>
+                  <a:pPr algn="just"/>
+                  <a14:m>
+                    <m:oMathPara xmlns:m="http://schemas.openxmlformats.org/officeDocument/2006/math">
+                      <m:oMathParaPr>
+                        <m:jc m:val="center"/>
+                      </m:oMathParaPr>
+                      <m:oMath xmlns:m="http://schemas.openxmlformats.org/officeDocument/2006/math">
+                        <m:sSub>
+                          <m:sSubPr>
+                            <m:ctrlPr>
+                              <a:rPr lang="en-GB" i="1" smtClean="0">
+                                <a:latin typeface="Cambria Math" panose="02040503050406030204" pitchFamily="18" charset="0"/>
+                              </a:rPr>
+                            </m:ctrlPr>
+                          </m:sSubPr>
+                          <m:e>
+                            <m:r>
+                              <a:rPr lang="en-GB" b="0" i="1" smtClean="0">
+                                <a:latin typeface="Cambria Math" panose="02040503050406030204" pitchFamily="18" charset="0"/>
+                              </a:rPr>
+                              <m:t>𝑦</m:t>
+                            </m:r>
+                          </m:e>
+                          <m:sub>
+                            <m:r>
+                              <a:rPr lang="en-GB" b="0" i="1" smtClean="0">
+                                <a:latin typeface="Cambria Math" panose="02040503050406030204" pitchFamily="18" charset="0"/>
+                              </a:rPr>
+                              <m:t>1</m:t>
+                            </m:r>
+                          </m:sub>
+                        </m:sSub>
+                      </m:oMath>
+                    </m:oMathPara>
+                  </a14:m>
+                  <a:endParaRPr lang="en-GB" dirty="0"/>
+                </a:p>
+              </p:txBody>
+            </p:sp>
+          </mc:Choice>
+          <mc:Fallback>
+            <p:sp>
+              <p:nvSpPr>
+                <p:cNvPr id="41" name="Rectangle 40"/>
+                <p:cNvSpPr>
+                  <a:spLocks noRot="1" noChangeAspect="1" noMove="1" noResize="1" noEditPoints="1" noAdjustHandles="1" noChangeArrowheads="1" noChangeShapeType="1" noTextEdit="1"/>
+                </p:cNvSpPr>
+                <p:nvPr/>
+              </p:nvSpPr>
+              <p:spPr>
+                <a:xfrm>
+                  <a:off x="3876186" y="746392"/>
+                  <a:ext cx="609600" cy="609600"/>
+                </a:xfrm>
+                <a:prstGeom prst="rect">
+                  <a:avLst/>
+                </a:prstGeom>
+                <a:blipFill>
+                  <a:blip r:embed="rId15"/>
+                  <a:stretch>
+                    <a:fillRect/>
+                  </a:stretch>
+                </a:blipFill>
+              </p:spPr>
+              <p:txBody>
+                <a:bodyPr/>
+                <a:lstStyle/>
+                <a:p>
+                  <a:r>
+                    <a:rPr lang="en-GB">
+                      <a:noFill/>
+                    </a:rPr>
+                    <a:t> </a:t>
+                  </a:r>
+                </a:p>
+              </p:txBody>
+            </p:sp>
+          </mc:Fallback>
+        </mc:AlternateContent>
+        <mc:AlternateContent xmlns:mc="http://schemas.openxmlformats.org/markup-compatibility/2006">
+          <mc:Choice xmlns:a14="http://schemas.microsoft.com/office/drawing/2010/main" Requires="a14">
+            <p:sp>
+              <p:nvSpPr>
+                <p:cNvPr id="42" name="Rectangle 41"/>
+                <p:cNvSpPr/>
+                <p:nvPr/>
+              </p:nvSpPr>
+              <p:spPr>
+                <a:xfrm>
+                  <a:off x="3876186" y="1560328"/>
+                  <a:ext cx="609600" cy="609600"/>
+                </a:xfrm>
+                <a:prstGeom prst="rect">
+                  <a:avLst/>
+                </a:prstGeom>
+                <a:solidFill>
+                  <a:schemeClr val="accent6">
+                    <a:lumMod val="60000"/>
+                    <a:lumOff val="40000"/>
+                  </a:schemeClr>
+                </a:solidFill>
+              </p:spPr>
+              <p:style>
+                <a:lnRef idx="2">
+                  <a:schemeClr val="accent1">
+                    <a:shade val="50000"/>
+                  </a:schemeClr>
+                </a:lnRef>
+                <a:fillRef idx="1">
+                  <a:schemeClr val="accent1"/>
+                </a:fillRef>
+                <a:effectRef idx="0">
+                  <a:schemeClr val="accent1"/>
+                </a:effectRef>
+                <a:fontRef idx="minor">
+                  <a:schemeClr val="lt1"/>
+                </a:fontRef>
+              </p:style>
+              <p:txBody>
+                <a:bodyPr rtlCol="0" anchor="ctr"/>
+                <a:lstStyle/>
+                <a:p>
+                  <a:pPr algn="just"/>
+                  <a14:m>
+                    <m:oMathPara xmlns:m="http://schemas.openxmlformats.org/officeDocument/2006/math">
+                      <m:oMathParaPr>
+                        <m:jc m:val="center"/>
+                      </m:oMathParaPr>
+                      <m:oMath xmlns:m="http://schemas.openxmlformats.org/officeDocument/2006/math">
+                        <m:sSub>
+                          <m:sSubPr>
+                            <m:ctrlPr>
+                              <a:rPr lang="en-GB" i="1" smtClean="0">
+                                <a:latin typeface="Cambria Math" panose="02040503050406030204" pitchFamily="18" charset="0"/>
+                              </a:rPr>
+                            </m:ctrlPr>
+                          </m:sSubPr>
+                          <m:e>
+                            <m:r>
+                              <a:rPr lang="en-GB" b="0" i="1" smtClean="0">
+                                <a:latin typeface="Cambria Math" panose="02040503050406030204" pitchFamily="18" charset="0"/>
+                              </a:rPr>
+                              <m:t>𝑦</m:t>
+                            </m:r>
+                          </m:e>
+                          <m:sub>
+                            <m:r>
+                              <a:rPr lang="en-GB" b="0" i="1" smtClean="0">
+                                <a:latin typeface="Cambria Math" panose="02040503050406030204" pitchFamily="18" charset="0"/>
+                              </a:rPr>
+                              <m:t>2</m:t>
+                            </m:r>
+                          </m:sub>
+                        </m:sSub>
+                      </m:oMath>
+                    </m:oMathPara>
+                  </a14:m>
+                  <a:endParaRPr lang="en-GB" dirty="0"/>
+                </a:p>
+              </p:txBody>
+            </p:sp>
+          </mc:Choice>
+          <mc:Fallback>
+            <p:sp>
+              <p:nvSpPr>
+                <p:cNvPr id="42" name="Rectangle 41"/>
+                <p:cNvSpPr>
+                  <a:spLocks noRot="1" noChangeAspect="1" noMove="1" noResize="1" noEditPoints="1" noAdjustHandles="1" noChangeArrowheads="1" noChangeShapeType="1" noTextEdit="1"/>
+                </p:cNvSpPr>
+                <p:nvPr/>
+              </p:nvSpPr>
+              <p:spPr>
+                <a:xfrm>
+                  <a:off x="3876186" y="1560328"/>
+                  <a:ext cx="609600" cy="609600"/>
+                </a:xfrm>
+                <a:prstGeom prst="rect">
+                  <a:avLst/>
+                </a:prstGeom>
+                <a:blipFill>
+                  <a:blip r:embed="rId16"/>
+                  <a:stretch>
+                    <a:fillRect/>
+                  </a:stretch>
+                </a:blipFill>
+              </p:spPr>
+              <p:txBody>
+                <a:bodyPr/>
+                <a:lstStyle/>
+                <a:p>
+                  <a:r>
+                    <a:rPr lang="en-GB">
+                      <a:noFill/>
+                    </a:rPr>
+                    <a:t> </a:t>
+                  </a:r>
+                </a:p>
+              </p:txBody>
+            </p:sp>
+          </mc:Fallback>
+        </mc:AlternateContent>
+        <mc:AlternateContent xmlns:mc="http://schemas.openxmlformats.org/markup-compatibility/2006">
+          <mc:Choice xmlns:a14="http://schemas.microsoft.com/office/drawing/2010/main" Requires="a14">
+            <p:sp>
+              <p:nvSpPr>
+                <p:cNvPr id="43" name="Rectangle 42"/>
+                <p:cNvSpPr/>
+                <p:nvPr/>
+              </p:nvSpPr>
+              <p:spPr>
+                <a:xfrm>
+                  <a:off x="3876186" y="2422792"/>
+                  <a:ext cx="609600" cy="609600"/>
+                </a:xfrm>
+                <a:prstGeom prst="rect">
+                  <a:avLst/>
+                </a:prstGeom>
+                <a:solidFill>
+                  <a:schemeClr val="accent6">
+                    <a:lumMod val="60000"/>
+                    <a:lumOff val="40000"/>
+                  </a:schemeClr>
+                </a:solidFill>
+              </p:spPr>
+              <p:style>
+                <a:lnRef idx="2">
+                  <a:schemeClr val="accent1">
+                    <a:shade val="50000"/>
+                  </a:schemeClr>
+                </a:lnRef>
+                <a:fillRef idx="1">
+                  <a:schemeClr val="accent1"/>
+                </a:fillRef>
+                <a:effectRef idx="0">
+                  <a:schemeClr val="accent1"/>
+                </a:effectRef>
+                <a:fontRef idx="minor">
+                  <a:schemeClr val="lt1"/>
+                </a:fontRef>
+              </p:style>
+              <p:txBody>
+                <a:bodyPr rtlCol="0" anchor="ctr"/>
+                <a:lstStyle/>
+                <a:p>
+                  <a:pPr algn="just"/>
+                  <a14:m>
+                    <m:oMathPara xmlns:m="http://schemas.openxmlformats.org/officeDocument/2006/math">
+                      <m:oMathParaPr>
+                        <m:jc m:val="center"/>
+                      </m:oMathParaPr>
+                      <m:oMath xmlns:m="http://schemas.openxmlformats.org/officeDocument/2006/math">
+                        <m:sSub>
+                          <m:sSubPr>
+                            <m:ctrlPr>
+                              <a:rPr lang="en-GB" i="1" smtClean="0">
+                                <a:latin typeface="Cambria Math" panose="02040503050406030204" pitchFamily="18" charset="0"/>
+                              </a:rPr>
+                            </m:ctrlPr>
+                          </m:sSubPr>
+                          <m:e>
+                            <m:r>
+                              <a:rPr lang="en-GB" b="0" i="1" smtClean="0">
+                                <a:latin typeface="Cambria Math" panose="02040503050406030204" pitchFamily="18" charset="0"/>
+                              </a:rPr>
+                              <m:t>𝑦</m:t>
+                            </m:r>
+                          </m:e>
+                          <m:sub>
+                            <m:r>
+                              <a:rPr lang="en-GB" b="0" i="1" smtClean="0">
+                                <a:latin typeface="Cambria Math" panose="02040503050406030204" pitchFamily="18" charset="0"/>
+                              </a:rPr>
+                              <m:t>3</m:t>
+                            </m:r>
+                          </m:sub>
+                        </m:sSub>
+                      </m:oMath>
+                    </m:oMathPara>
+                  </a14:m>
+                  <a:endParaRPr lang="en-GB" dirty="0"/>
+                </a:p>
+              </p:txBody>
+            </p:sp>
+          </mc:Choice>
+          <mc:Fallback>
+            <p:sp>
+              <p:nvSpPr>
+                <p:cNvPr id="43" name="Rectangle 42"/>
+                <p:cNvSpPr>
+                  <a:spLocks noRot="1" noChangeAspect="1" noMove="1" noResize="1" noEditPoints="1" noAdjustHandles="1" noChangeArrowheads="1" noChangeShapeType="1" noTextEdit="1"/>
+                </p:cNvSpPr>
+                <p:nvPr/>
+              </p:nvSpPr>
+              <p:spPr>
+                <a:xfrm>
+                  <a:off x="3876186" y="2422792"/>
+                  <a:ext cx="609600" cy="609600"/>
+                </a:xfrm>
+                <a:prstGeom prst="rect">
+                  <a:avLst/>
+                </a:prstGeom>
+                <a:blipFill>
+                  <a:blip r:embed="rId17"/>
+                  <a:stretch>
+                    <a:fillRect/>
+                  </a:stretch>
+                </a:blipFill>
+              </p:spPr>
+              <p:txBody>
+                <a:bodyPr/>
+                <a:lstStyle/>
+                <a:p>
+                  <a:r>
+                    <a:rPr lang="en-GB">
+                      <a:noFill/>
+                    </a:rPr>
+                    <a:t> </a:t>
+                  </a:r>
+                </a:p>
+              </p:txBody>
+            </p:sp>
+          </mc:Fallback>
+        </mc:AlternateContent>
+        <mc:AlternateContent xmlns:mc="http://schemas.openxmlformats.org/markup-compatibility/2006">
+          <mc:Choice xmlns:a14="http://schemas.microsoft.com/office/drawing/2010/main" Requires="a14">
+            <p:sp>
+              <p:nvSpPr>
+                <p:cNvPr id="63" name="Oval 62"/>
+                <p:cNvSpPr/>
+                <p:nvPr/>
+              </p:nvSpPr>
+              <p:spPr>
+                <a:xfrm>
+                  <a:off x="955900" y="1511104"/>
+                  <a:ext cx="1402080" cy="736963"/>
+                </a:xfrm>
+                <a:prstGeom prst="ellipse">
+                  <a:avLst/>
+                </a:prstGeom>
+                <a:solidFill>
+                  <a:schemeClr val="accent6">
+                    <a:lumMod val="60000"/>
+                    <a:lumOff val="40000"/>
+                  </a:schemeClr>
+                </a:solidFill>
+              </p:spPr>
+              <p:style>
+                <a:lnRef idx="2">
+                  <a:schemeClr val="accent1">
+                    <a:shade val="50000"/>
+                  </a:schemeClr>
+                </a:lnRef>
+                <a:fillRef idx="1">
+                  <a:schemeClr val="accent1"/>
+                </a:fillRef>
+                <a:effectRef idx="0">
+                  <a:schemeClr val="accent1"/>
+                </a:effectRef>
+                <a:fontRef idx="minor">
+                  <a:schemeClr val="lt1"/>
+                </a:fontRef>
+              </p:style>
+              <p:txBody>
+                <a:bodyPr rtlCol="0" anchor="ctr"/>
+                <a:lstStyle/>
+                <a:p>
+                  <a:pPr algn="ctr"/>
+                  <a14:m>
+                    <m:oMathPara xmlns:m="http://schemas.openxmlformats.org/officeDocument/2006/math">
+                      <m:oMathParaPr>
+                        <m:jc m:val="centerGroup"/>
+                      </m:oMathParaPr>
+                      <m:oMath xmlns:m="http://schemas.openxmlformats.org/officeDocument/2006/math">
+                        <m:sSub>
+                          <m:sSubPr>
+                            <m:ctrlPr>
+                              <a:rPr lang="en-GB" i="1" smtClean="0">
+                                <a:latin typeface="Cambria Math" panose="02040503050406030204" pitchFamily="18" charset="0"/>
+                              </a:rPr>
+                            </m:ctrlPr>
+                          </m:sSubPr>
+                          <m:e>
+                            <m:r>
+                              <a:rPr lang="en-GB" b="0" i="1" smtClean="0">
+                                <a:latin typeface="Cambria Math" panose="02040503050406030204" pitchFamily="18" charset="0"/>
+                              </a:rPr>
+                              <m:t>𝐹</m:t>
+                            </m:r>
+                          </m:e>
+                          <m:sub>
+                            <m:r>
+                              <a:rPr lang="en-GB" b="0" i="1" smtClean="0">
+                                <a:latin typeface="Cambria Math" panose="02040503050406030204" pitchFamily="18" charset="0"/>
+                              </a:rPr>
+                              <m:t>1</m:t>
+                            </m:r>
+                          </m:sub>
+                        </m:sSub>
+                      </m:oMath>
+                    </m:oMathPara>
+                  </a14:m>
+                  <a:endParaRPr lang="en-GB" dirty="0"/>
+                </a:p>
+              </p:txBody>
+            </p:sp>
+          </mc:Choice>
+          <mc:Fallback>
+            <p:sp>
+              <p:nvSpPr>
+                <p:cNvPr id="63" name="Oval 62"/>
+                <p:cNvSpPr>
+                  <a:spLocks noRot="1" noChangeAspect="1" noMove="1" noResize="1" noEditPoints="1" noAdjustHandles="1" noChangeArrowheads="1" noChangeShapeType="1" noTextEdit="1"/>
+                </p:cNvSpPr>
+                <p:nvPr/>
+              </p:nvSpPr>
+              <p:spPr>
+                <a:xfrm>
+                  <a:off x="955900" y="1511104"/>
+                  <a:ext cx="1402080" cy="736963"/>
+                </a:xfrm>
+                <a:prstGeom prst="ellipse">
+                  <a:avLst/>
+                </a:prstGeom>
+                <a:blipFill>
+                  <a:blip r:embed="rId18"/>
+                  <a:stretch>
+                    <a:fillRect/>
+                  </a:stretch>
+                </a:blipFill>
+              </p:spPr>
+              <p:txBody>
+                <a:bodyPr/>
+                <a:lstStyle/>
+                <a:p>
+                  <a:r>
+                    <a:rPr lang="en-GB">
+                      <a:noFill/>
+                    </a:rPr>
+                    <a:t> </a:t>
+                  </a:r>
+                </a:p>
+              </p:txBody>
+            </p:sp>
+          </mc:Fallback>
+        </mc:AlternateContent>
+        <p:cxnSp>
+          <p:nvCxnSpPr>
+            <p:cNvPr id="65" name="Straight Arrow Connector 64"/>
+            <p:cNvCxnSpPr>
+              <a:stCxn id="63" idx="6"/>
+              <a:endCxn id="41" idx="1"/>
+            </p:cNvCxnSpPr>
+            <p:nvPr/>
+          </p:nvCxnSpPr>
+          <p:spPr>
+            <a:xfrm flipV="1">
+              <a:off x="2357980" y="1051192"/>
+              <a:ext cx="1518206" cy="828394"/>
+            </a:xfrm>
+            <a:prstGeom prst="straightConnector1">
+              <a:avLst/>
+            </a:prstGeom>
+            <a:ln w="9525">
+              <a:solidFill>
+                <a:schemeClr val="tx1"/>
+              </a:solidFill>
+              <a:tailEnd type="triangle"/>
+            </a:ln>
+          </p:spPr>
+          <p:style>
+            <a:lnRef idx="1">
+              <a:schemeClr val="accent1"/>
+            </a:lnRef>
+            <a:fillRef idx="0">
+              <a:schemeClr val="accent1"/>
+            </a:fillRef>
+            <a:effectRef idx="0">
+              <a:schemeClr val="accent1"/>
+            </a:effectRef>
+            <a:fontRef idx="minor">
+              <a:schemeClr val="tx1"/>
+            </a:fontRef>
+          </p:style>
+        </p:cxnSp>
+        <p:cxnSp>
+          <p:nvCxnSpPr>
+            <p:cNvPr id="67" name="Straight Arrow Connector 66"/>
+            <p:cNvCxnSpPr>
+              <a:stCxn id="63" idx="6"/>
+              <a:endCxn id="42" idx="1"/>
+            </p:cNvCxnSpPr>
+            <p:nvPr/>
+          </p:nvCxnSpPr>
+          <p:spPr>
+            <a:xfrm flipV="1">
+              <a:off x="2357980" y="1865128"/>
+              <a:ext cx="1518206" cy="14458"/>
+            </a:xfrm>
+            <a:prstGeom prst="straightConnector1">
+              <a:avLst/>
+            </a:prstGeom>
+            <a:ln w="9525">
+              <a:solidFill>
+                <a:schemeClr val="tx1"/>
+              </a:solidFill>
+              <a:tailEnd type="triangle"/>
+            </a:ln>
+          </p:spPr>
+          <p:style>
+            <a:lnRef idx="1">
+              <a:schemeClr val="accent1"/>
+            </a:lnRef>
+            <a:fillRef idx="0">
+              <a:schemeClr val="accent1"/>
+            </a:fillRef>
+            <a:effectRef idx="0">
+              <a:schemeClr val="accent1"/>
+            </a:effectRef>
+            <a:fontRef idx="minor">
+              <a:schemeClr val="tx1"/>
+            </a:fontRef>
+          </p:style>
+        </p:cxnSp>
+        <p:cxnSp>
+          <p:nvCxnSpPr>
+            <p:cNvPr id="70" name="Straight Arrow Connector 69"/>
+            <p:cNvCxnSpPr>
+              <a:cxnSpLocks/>
+              <a:stCxn id="63" idx="6"/>
+              <a:endCxn id="43" idx="1"/>
+            </p:cNvCxnSpPr>
+            <p:nvPr/>
+          </p:nvCxnSpPr>
+          <p:spPr>
+            <a:xfrm>
+              <a:off x="2357980" y="1879586"/>
+              <a:ext cx="1518206" cy="848006"/>
+            </a:xfrm>
+            <a:prstGeom prst="straightConnector1">
+              <a:avLst/>
+            </a:prstGeom>
+            <a:ln w="9525">
+              <a:solidFill>
+                <a:schemeClr val="tx1"/>
+              </a:solidFill>
+              <a:tailEnd type="triangle"/>
+            </a:ln>
+          </p:spPr>
+          <p:style>
+            <a:lnRef idx="1">
+              <a:schemeClr val="accent1"/>
+            </a:lnRef>
+            <a:fillRef idx="0">
+              <a:schemeClr val="accent1"/>
+            </a:fillRef>
+            <a:effectRef idx="0">
+              <a:schemeClr val="accent1"/>
+            </a:effectRef>
+            <a:fontRef idx="minor">
+              <a:schemeClr val="tx1"/>
+            </a:fontRef>
+          </p:style>
+        </p:cxnSp>
+        <mc:AlternateContent xmlns:mc="http://schemas.openxmlformats.org/markup-compatibility/2006">
+          <mc:Choice xmlns:a14="http://schemas.microsoft.com/office/drawing/2010/main" Requires="a14">
+            <p:sp>
+              <p:nvSpPr>
+                <p:cNvPr id="87" name="Oval 86"/>
+                <p:cNvSpPr/>
+                <p:nvPr/>
+              </p:nvSpPr>
+              <p:spPr>
+                <a:xfrm>
+                  <a:off x="5027893" y="804902"/>
+                  <a:ext cx="500743" cy="496389"/>
+                </a:xfrm>
+                <a:prstGeom prst="ellipse">
+                  <a:avLst/>
+                </a:prstGeom>
+                <a:solidFill>
+                  <a:schemeClr val="accent6">
+                    <a:lumMod val="60000"/>
+                    <a:lumOff val="40000"/>
+                  </a:schemeClr>
+                </a:solidFill>
+              </p:spPr>
+              <p:style>
+                <a:lnRef idx="2">
+                  <a:schemeClr val="accent1">
+                    <a:shade val="50000"/>
+                  </a:schemeClr>
+                </a:lnRef>
+                <a:fillRef idx="1">
+                  <a:schemeClr val="accent1"/>
+                </a:fillRef>
+                <a:effectRef idx="0">
+                  <a:schemeClr val="accent1"/>
+                </a:effectRef>
+                <a:fontRef idx="minor">
+                  <a:schemeClr val="lt1"/>
+                </a:fontRef>
+              </p:style>
+              <p:txBody>
+                <a:bodyPr rtlCol="0" anchor="ctr"/>
+                <a:lstStyle/>
+                <a:p>
+                  <a:pPr algn="ctr"/>
+                  <a14:m>
+                    <m:oMathPara xmlns:m="http://schemas.openxmlformats.org/officeDocument/2006/math">
+                      <m:oMathParaPr>
+                        <m:jc m:val="centerGroup"/>
+                      </m:oMathParaPr>
+                      <m:oMath xmlns:m="http://schemas.openxmlformats.org/officeDocument/2006/math">
+                        <m:sSub>
+                          <m:sSubPr>
+                            <m:ctrlPr>
+                              <a:rPr lang="en-GB" i="1" smtClean="0">
+                                <a:latin typeface="Cambria Math" panose="02040503050406030204" pitchFamily="18" charset="0"/>
+                              </a:rPr>
+                            </m:ctrlPr>
+                          </m:sSubPr>
+                          <m:e>
+                            <m:r>
+                              <a:rPr lang="en-GB" b="0" i="1" smtClean="0">
+                                <a:latin typeface="Cambria Math" panose="02040503050406030204" pitchFamily="18" charset="0"/>
+                              </a:rPr>
+                              <m:t>𝑢</m:t>
+                            </m:r>
+                          </m:e>
+                          <m:sub>
+                            <m:r>
+                              <a:rPr lang="en-GB" b="0" i="1" smtClean="0">
+                                <a:latin typeface="Cambria Math" panose="02040503050406030204" pitchFamily="18" charset="0"/>
+                              </a:rPr>
+                              <m:t>1</m:t>
+                            </m:r>
+                          </m:sub>
+                        </m:sSub>
+                      </m:oMath>
+                    </m:oMathPara>
+                  </a14:m>
+                  <a:endParaRPr lang="en-GB" dirty="0"/>
+                </a:p>
+              </p:txBody>
+            </p:sp>
+          </mc:Choice>
+          <mc:Fallback>
+            <p:sp>
+              <p:nvSpPr>
+                <p:cNvPr id="87" name="Oval 86"/>
+                <p:cNvSpPr>
+                  <a:spLocks noRot="1" noChangeAspect="1" noMove="1" noResize="1" noEditPoints="1" noAdjustHandles="1" noChangeArrowheads="1" noChangeShapeType="1" noTextEdit="1"/>
+                </p:cNvSpPr>
+                <p:nvPr/>
+              </p:nvSpPr>
+              <p:spPr>
+                <a:xfrm>
+                  <a:off x="5027893" y="804902"/>
+                  <a:ext cx="500743" cy="496389"/>
+                </a:xfrm>
+                <a:prstGeom prst="ellipse">
+                  <a:avLst/>
+                </a:prstGeom>
+                <a:blipFill>
+                  <a:blip r:embed="rId19"/>
+                  <a:stretch>
+                    <a:fillRect/>
+                  </a:stretch>
+                </a:blipFill>
+              </p:spPr>
+              <p:txBody>
+                <a:bodyPr/>
+                <a:lstStyle/>
+                <a:p>
+                  <a:r>
+                    <a:rPr lang="en-GB">
+                      <a:noFill/>
+                    </a:rPr>
+                    <a:t> </a:t>
+                  </a:r>
+                </a:p>
+              </p:txBody>
+            </p:sp>
+          </mc:Fallback>
+        </mc:AlternateContent>
+        <mc:AlternateContent xmlns:mc="http://schemas.openxmlformats.org/markup-compatibility/2006">
+          <mc:Choice xmlns:a14="http://schemas.microsoft.com/office/drawing/2010/main" Requires="a14">
+            <p:sp>
+              <p:nvSpPr>
+                <p:cNvPr id="89" name="Oval 88"/>
+                <p:cNvSpPr/>
+                <p:nvPr/>
+              </p:nvSpPr>
+              <p:spPr>
+                <a:xfrm>
+                  <a:off x="5027893" y="1639429"/>
+                  <a:ext cx="500743" cy="455967"/>
+                </a:xfrm>
+                <a:prstGeom prst="ellipse">
+                  <a:avLst/>
+                </a:prstGeom>
+                <a:solidFill>
+                  <a:schemeClr val="accent6">
+                    <a:lumMod val="60000"/>
+                    <a:lumOff val="40000"/>
+                  </a:schemeClr>
+                </a:solidFill>
+              </p:spPr>
+              <p:style>
+                <a:lnRef idx="2">
+                  <a:schemeClr val="accent1">
+                    <a:shade val="50000"/>
+                  </a:schemeClr>
+                </a:lnRef>
+                <a:fillRef idx="1">
+                  <a:schemeClr val="accent1"/>
+                </a:fillRef>
+                <a:effectRef idx="0">
+                  <a:schemeClr val="accent1"/>
+                </a:effectRef>
+                <a:fontRef idx="minor">
+                  <a:schemeClr val="lt1"/>
+                </a:fontRef>
+              </p:style>
+              <p:txBody>
+                <a:bodyPr rtlCol="0" anchor="ctr"/>
+                <a:lstStyle/>
+                <a:p>
+                  <a:pPr algn="ctr"/>
+                  <a14:m>
+                    <m:oMathPara xmlns:m="http://schemas.openxmlformats.org/officeDocument/2006/math">
+                      <m:oMathParaPr>
+                        <m:jc m:val="centerGroup"/>
+                      </m:oMathParaPr>
+                      <m:oMath xmlns:m="http://schemas.openxmlformats.org/officeDocument/2006/math">
+                        <m:sSub>
+                          <m:sSubPr>
+                            <m:ctrlPr>
+                              <a:rPr lang="en-GB" i="1" smtClean="0">
+                                <a:latin typeface="Cambria Math" panose="02040503050406030204" pitchFamily="18" charset="0"/>
+                              </a:rPr>
+                            </m:ctrlPr>
+                          </m:sSubPr>
+                          <m:e>
+                            <m:r>
+                              <a:rPr lang="en-GB" b="0" i="1" smtClean="0">
+                                <a:latin typeface="Cambria Math" panose="02040503050406030204" pitchFamily="18" charset="0"/>
+                              </a:rPr>
+                              <m:t>𝑢</m:t>
+                            </m:r>
+                          </m:e>
+                          <m:sub>
+                            <m:r>
+                              <a:rPr lang="en-GB" b="0" i="1" smtClean="0">
+                                <a:latin typeface="Cambria Math" panose="02040503050406030204" pitchFamily="18" charset="0"/>
+                              </a:rPr>
+                              <m:t>2</m:t>
+                            </m:r>
+                          </m:sub>
+                        </m:sSub>
+                      </m:oMath>
+                    </m:oMathPara>
+                  </a14:m>
+                  <a:endParaRPr lang="en-GB" dirty="0"/>
+                </a:p>
+              </p:txBody>
+            </p:sp>
+          </mc:Choice>
+          <mc:Fallback>
+            <p:sp>
+              <p:nvSpPr>
+                <p:cNvPr id="89" name="Oval 88"/>
+                <p:cNvSpPr>
+                  <a:spLocks noRot="1" noChangeAspect="1" noMove="1" noResize="1" noEditPoints="1" noAdjustHandles="1" noChangeArrowheads="1" noChangeShapeType="1" noTextEdit="1"/>
+                </p:cNvSpPr>
+                <p:nvPr/>
+              </p:nvSpPr>
+              <p:spPr>
+                <a:xfrm>
+                  <a:off x="5027893" y="1639429"/>
+                  <a:ext cx="500743" cy="455967"/>
+                </a:xfrm>
+                <a:prstGeom prst="ellipse">
+                  <a:avLst/>
+                </a:prstGeom>
+                <a:blipFill>
+                  <a:blip r:embed="rId20"/>
+                  <a:stretch>
+                    <a:fillRect/>
+                  </a:stretch>
+                </a:blipFill>
+              </p:spPr>
+              <p:txBody>
+                <a:bodyPr/>
+                <a:lstStyle/>
+                <a:p>
+                  <a:r>
+                    <a:rPr lang="en-GB">
+                      <a:noFill/>
+                    </a:rPr>
+                    <a:t> </a:t>
+                  </a:r>
+                </a:p>
+              </p:txBody>
+            </p:sp>
+          </mc:Fallback>
+        </mc:AlternateContent>
+        <mc:AlternateContent xmlns:mc="http://schemas.openxmlformats.org/markup-compatibility/2006">
+          <mc:Choice xmlns:a14="http://schemas.microsoft.com/office/drawing/2010/main" Requires="a14">
+            <p:sp>
+              <p:nvSpPr>
+                <p:cNvPr id="90" name="Oval 89"/>
+                <p:cNvSpPr/>
+                <p:nvPr/>
+              </p:nvSpPr>
+              <p:spPr>
+                <a:xfrm>
+                  <a:off x="5027893" y="2479397"/>
+                  <a:ext cx="500743" cy="496389"/>
+                </a:xfrm>
+                <a:prstGeom prst="ellipse">
+                  <a:avLst/>
+                </a:prstGeom>
+                <a:solidFill>
+                  <a:schemeClr val="accent6">
+                    <a:lumMod val="60000"/>
+                    <a:lumOff val="40000"/>
+                  </a:schemeClr>
+                </a:solidFill>
+              </p:spPr>
+              <p:style>
+                <a:lnRef idx="2">
+                  <a:schemeClr val="accent1">
+                    <a:shade val="50000"/>
+                  </a:schemeClr>
+                </a:lnRef>
+                <a:fillRef idx="1">
+                  <a:schemeClr val="accent1"/>
+                </a:fillRef>
+                <a:effectRef idx="0">
+                  <a:schemeClr val="accent1"/>
+                </a:effectRef>
+                <a:fontRef idx="minor">
+                  <a:schemeClr val="lt1"/>
+                </a:fontRef>
+              </p:style>
+              <p:txBody>
+                <a:bodyPr rtlCol="0" anchor="ctr"/>
+                <a:lstStyle/>
+                <a:p>
+                  <a:pPr algn="ctr"/>
+                  <a14:m>
+                    <m:oMathPara xmlns:m="http://schemas.openxmlformats.org/officeDocument/2006/math">
+                      <m:oMathParaPr>
+                        <m:jc m:val="centerGroup"/>
+                      </m:oMathParaPr>
+                      <m:oMath xmlns:m="http://schemas.openxmlformats.org/officeDocument/2006/math">
+                        <m:sSub>
+                          <m:sSubPr>
+                            <m:ctrlPr>
+                              <a:rPr lang="en-GB" i="1" smtClean="0">
+                                <a:latin typeface="Cambria Math" panose="02040503050406030204" pitchFamily="18" charset="0"/>
+                              </a:rPr>
+                            </m:ctrlPr>
+                          </m:sSubPr>
+                          <m:e>
+                            <m:r>
+                              <a:rPr lang="en-GB" b="0" i="1" smtClean="0">
+                                <a:latin typeface="Cambria Math" panose="02040503050406030204" pitchFamily="18" charset="0"/>
+                              </a:rPr>
+                              <m:t>𝑢</m:t>
+                            </m:r>
+                          </m:e>
+                          <m:sub>
+                            <m:r>
+                              <a:rPr lang="en-GB" b="0" i="1" smtClean="0">
+                                <a:latin typeface="Cambria Math" panose="02040503050406030204" pitchFamily="18" charset="0"/>
+                              </a:rPr>
+                              <m:t>3</m:t>
+                            </m:r>
+                          </m:sub>
+                        </m:sSub>
+                      </m:oMath>
+                    </m:oMathPara>
+                  </a14:m>
+                  <a:endParaRPr lang="en-GB" dirty="0"/>
+                </a:p>
+              </p:txBody>
+            </p:sp>
+          </mc:Choice>
+          <mc:Fallback>
+            <p:sp>
+              <p:nvSpPr>
+                <p:cNvPr id="90" name="Oval 89"/>
+                <p:cNvSpPr>
+                  <a:spLocks noRot="1" noChangeAspect="1" noMove="1" noResize="1" noEditPoints="1" noAdjustHandles="1" noChangeArrowheads="1" noChangeShapeType="1" noTextEdit="1"/>
+                </p:cNvSpPr>
+                <p:nvPr/>
+              </p:nvSpPr>
+              <p:spPr>
+                <a:xfrm>
+                  <a:off x="5027893" y="2479397"/>
+                  <a:ext cx="500743" cy="496389"/>
+                </a:xfrm>
+                <a:prstGeom prst="ellipse">
+                  <a:avLst/>
+                </a:prstGeom>
+                <a:blipFill>
+                  <a:blip r:embed="rId21"/>
+                  <a:stretch>
+                    <a:fillRect/>
+                  </a:stretch>
+                </a:blipFill>
+              </p:spPr>
+              <p:txBody>
+                <a:bodyPr/>
+                <a:lstStyle/>
+                <a:p>
+                  <a:r>
+                    <a:rPr lang="en-GB">
+                      <a:noFill/>
+                    </a:rPr>
+                    <a:t> </a:t>
+                  </a:r>
+                </a:p>
+              </p:txBody>
+            </p:sp>
+          </mc:Fallback>
+        </mc:AlternateContent>
+        <p:cxnSp>
+          <p:nvCxnSpPr>
+            <p:cNvPr id="92" name="Straight Arrow Connector 91"/>
+            <p:cNvCxnSpPr>
+              <a:stCxn id="87" idx="2"/>
+              <a:endCxn id="41" idx="3"/>
+            </p:cNvCxnSpPr>
+            <p:nvPr/>
+          </p:nvCxnSpPr>
+          <p:spPr>
+            <a:xfrm flipH="1" flipV="1">
+              <a:off x="4485786" y="1051192"/>
+              <a:ext cx="542107" cy="1905"/>
+            </a:xfrm>
+            <a:prstGeom prst="straightConnector1">
+              <a:avLst/>
+            </a:prstGeom>
+            <a:ln w="9525">
+              <a:solidFill>
+                <a:schemeClr val="tx1"/>
+              </a:solidFill>
+              <a:tailEnd type="triangle"/>
+            </a:ln>
+          </p:spPr>
+          <p:style>
+            <a:lnRef idx="1">
+              <a:schemeClr val="accent1"/>
+            </a:lnRef>
+            <a:fillRef idx="0">
+              <a:schemeClr val="accent1"/>
+            </a:fillRef>
+            <a:effectRef idx="0">
+              <a:schemeClr val="accent1"/>
+            </a:effectRef>
+            <a:fontRef idx="minor">
+              <a:schemeClr val="tx1"/>
+            </a:fontRef>
+          </p:style>
+        </p:cxnSp>
+        <p:cxnSp>
+          <p:nvCxnSpPr>
+            <p:cNvPr id="95" name="Straight Arrow Connector 94"/>
+            <p:cNvCxnSpPr>
+              <a:cxnSpLocks/>
+              <a:stCxn id="89" idx="2"/>
+              <a:endCxn id="42" idx="3"/>
+            </p:cNvCxnSpPr>
+            <p:nvPr/>
+          </p:nvCxnSpPr>
+          <p:spPr>
+            <a:xfrm flipH="1" flipV="1">
+              <a:off x="4485786" y="1865128"/>
+              <a:ext cx="542107" cy="2285"/>
+            </a:xfrm>
+            <a:prstGeom prst="straightConnector1">
+              <a:avLst/>
+            </a:prstGeom>
+            <a:ln w="9525">
+              <a:solidFill>
+                <a:schemeClr val="tx1"/>
+              </a:solidFill>
+              <a:tailEnd type="triangle"/>
+            </a:ln>
+          </p:spPr>
+          <p:style>
+            <a:lnRef idx="1">
+              <a:schemeClr val="accent1"/>
+            </a:lnRef>
+            <a:fillRef idx="0">
+              <a:schemeClr val="accent1"/>
+            </a:fillRef>
+            <a:effectRef idx="0">
+              <a:schemeClr val="accent1"/>
+            </a:effectRef>
+            <a:fontRef idx="minor">
+              <a:schemeClr val="tx1"/>
+            </a:fontRef>
+          </p:style>
+        </p:cxnSp>
+        <p:cxnSp>
+          <p:nvCxnSpPr>
+            <p:cNvPr id="99" name="Straight Arrow Connector 98"/>
+            <p:cNvCxnSpPr>
+              <a:stCxn id="90" idx="2"/>
+              <a:endCxn id="43" idx="3"/>
+            </p:cNvCxnSpPr>
+            <p:nvPr/>
+          </p:nvCxnSpPr>
+          <p:spPr>
+            <a:xfrm flipH="1">
+              <a:off x="4485786" y="2727592"/>
+              <a:ext cx="542107" cy="0"/>
+            </a:xfrm>
+            <a:prstGeom prst="straightConnector1">
+              <a:avLst/>
+            </a:prstGeom>
+            <a:ln w="9525">
+              <a:solidFill>
+                <a:schemeClr val="tx1"/>
+              </a:solidFill>
+              <a:tailEnd type="triangle"/>
+            </a:ln>
+          </p:spPr>
+          <p:style>
+            <a:lnRef idx="1">
+              <a:schemeClr val="accent1"/>
+            </a:lnRef>
+            <a:fillRef idx="0">
+              <a:schemeClr val="accent1"/>
+            </a:fillRef>
+            <a:effectRef idx="0">
+              <a:schemeClr val="accent1"/>
+            </a:effectRef>
+            <a:fontRef idx="minor">
+              <a:schemeClr val="tx1"/>
+            </a:fontRef>
+          </p:style>
+        </p:cxnSp>
+        <mc:AlternateContent xmlns:mc="http://schemas.openxmlformats.org/markup-compatibility/2006">
+          <mc:Choice xmlns:a14="http://schemas.microsoft.com/office/drawing/2010/main" Requires="a14">
+            <p:sp>
+              <p:nvSpPr>
+                <p:cNvPr id="33" name="TextBox 32">
+                  <a:extLst>
+                    <a:ext uri="{FF2B5EF4-FFF2-40B4-BE49-F238E27FC236}">
+                      <a16:creationId xmlns:a16="http://schemas.microsoft.com/office/drawing/2014/main" id="{43D6DD3F-DB3C-4FFC-8732-7AED8B777EC5}"/>
+                    </a:ext>
+                  </a:extLst>
+                </p:cNvPr>
+                <p:cNvSpPr txBox="1"/>
+                <p:nvPr/>
+              </p:nvSpPr>
+              <p:spPr>
+                <a:xfrm>
+                  <a:off x="2816059" y="1096057"/>
+                  <a:ext cx="518020" cy="369332"/>
+                </a:xfrm>
+                <a:prstGeom prst="rect">
+                  <a:avLst/>
+                </a:prstGeom>
+                <a:noFill/>
+              </p:spPr>
+              <p:txBody>
+                <a:bodyPr wrap="square">
+                  <a:spAutoFit/>
+                </a:bodyPr>
+                <a:lstStyle/>
+                <a:p>
+                  <a:pPr/>
+                  <a14:m>
+                    <m:oMathPara xmlns:m="http://schemas.openxmlformats.org/officeDocument/2006/math">
+                      <m:oMathParaPr>
+                        <m:jc m:val="centerGroup"/>
+                      </m:oMathParaPr>
+                      <m:oMath xmlns:m="http://schemas.openxmlformats.org/officeDocument/2006/math">
+                        <m:sSub>
+                          <m:sSubPr>
+                            <m:ctrlPr>
+                              <a:rPr lang="en-GB" i="1">
+                                <a:latin typeface="Cambria Math" panose="02040503050406030204" pitchFamily="18" charset="0"/>
+                              </a:rPr>
+                            </m:ctrlPr>
+                          </m:sSubPr>
+                          <m:e>
+                            <m:r>
+                              <a:rPr lang="en-GB" i="1">
+                                <a:latin typeface="Cambria Math" panose="02040503050406030204" pitchFamily="18" charset="0"/>
+                              </a:rPr>
+                              <m:t>𝜆</m:t>
+                            </m:r>
+                          </m:e>
+                          <m:sub>
+                            <m:r>
+                              <a:rPr lang="en-GB" i="1">
+                                <a:latin typeface="Cambria Math" panose="02040503050406030204" pitchFamily="18" charset="0"/>
+                              </a:rPr>
+                              <m:t>1</m:t>
+                            </m:r>
+                          </m:sub>
+                        </m:sSub>
+                      </m:oMath>
+                    </m:oMathPara>
+                  </a14:m>
+                  <a:endParaRPr lang="en-GB" dirty="0"/>
+                </a:p>
+              </p:txBody>
+            </p:sp>
+          </mc:Choice>
+          <mc:Fallback>
+            <p:sp>
+              <p:nvSpPr>
+                <p:cNvPr id="33" name="TextBox 32">
+                  <a:extLst>
+                    <a:ext uri="{FF2B5EF4-FFF2-40B4-BE49-F238E27FC236}">
+                      <a16:creationId xmlns:a16="http://schemas.microsoft.com/office/drawing/2014/main" id="{43D6DD3F-DB3C-4FFC-8732-7AED8B777EC5}"/>
+                    </a:ext>
+                  </a:extLst>
+                </p:cNvPr>
+                <p:cNvSpPr txBox="1">
+                  <a:spLocks noRot="1" noChangeAspect="1" noMove="1" noResize="1" noEditPoints="1" noAdjustHandles="1" noChangeArrowheads="1" noChangeShapeType="1" noTextEdit="1"/>
+                </p:cNvSpPr>
+                <p:nvPr/>
+              </p:nvSpPr>
+              <p:spPr>
+                <a:xfrm>
+                  <a:off x="2816059" y="1096057"/>
+                  <a:ext cx="518020" cy="369332"/>
+                </a:xfrm>
+                <a:prstGeom prst="rect">
+                  <a:avLst/>
+                </a:prstGeom>
+                <a:blipFill>
+                  <a:blip r:embed="rId22"/>
+                  <a:stretch>
+                    <a:fillRect/>
+                  </a:stretch>
+                </a:blipFill>
+              </p:spPr>
+              <p:txBody>
+                <a:bodyPr/>
+                <a:lstStyle/>
+                <a:p>
+                  <a:r>
+                    <a:rPr lang="en-GB">
+                      <a:noFill/>
+                    </a:rPr>
+                    <a:t> </a:t>
+                  </a:r>
+                </a:p>
+              </p:txBody>
+            </p:sp>
+          </mc:Fallback>
+        </mc:AlternateContent>
+        <mc:AlternateContent xmlns:mc="http://schemas.openxmlformats.org/markup-compatibility/2006">
+          <mc:Choice xmlns:a14="http://schemas.microsoft.com/office/drawing/2010/main" Requires="a14">
+            <p:sp>
+              <p:nvSpPr>
+                <p:cNvPr id="39" name="TextBox 38">
+                  <a:extLst>
+                    <a:ext uri="{FF2B5EF4-FFF2-40B4-BE49-F238E27FC236}">
+                      <a16:creationId xmlns:a16="http://schemas.microsoft.com/office/drawing/2014/main" id="{7ADB1D49-1374-4D14-A77E-E96D68F71F71}"/>
+                    </a:ext>
+                  </a:extLst>
+                </p:cNvPr>
+                <p:cNvSpPr txBox="1"/>
+                <p:nvPr/>
+              </p:nvSpPr>
+              <p:spPr>
+                <a:xfrm>
+                  <a:off x="3217945" y="1528498"/>
+                  <a:ext cx="518020" cy="369332"/>
+                </a:xfrm>
+                <a:prstGeom prst="rect">
+                  <a:avLst/>
+                </a:prstGeom>
+                <a:noFill/>
+              </p:spPr>
+              <p:txBody>
+                <a:bodyPr wrap="square">
+                  <a:spAutoFit/>
+                </a:bodyPr>
+                <a:lstStyle/>
+                <a:p>
+                  <a:pPr/>
+                  <a14:m>
+                    <m:oMathPara xmlns:m="http://schemas.openxmlformats.org/officeDocument/2006/math">
+                      <m:oMathParaPr>
+                        <m:jc m:val="centerGroup"/>
+                      </m:oMathParaPr>
+                      <m:oMath xmlns:m="http://schemas.openxmlformats.org/officeDocument/2006/math">
+                        <m:sSub>
+                          <m:sSubPr>
+                            <m:ctrlPr>
+                              <a:rPr lang="en-GB" i="1" smtClean="0">
+                                <a:latin typeface="Cambria Math" panose="02040503050406030204" pitchFamily="18" charset="0"/>
+                              </a:rPr>
+                            </m:ctrlPr>
+                          </m:sSubPr>
+                          <m:e>
+                            <m:r>
+                              <a:rPr lang="en-GB" i="1">
+                                <a:latin typeface="Cambria Math" panose="02040503050406030204" pitchFamily="18" charset="0"/>
+                              </a:rPr>
+                              <m:t>𝜆</m:t>
+                            </m:r>
+                          </m:e>
+                          <m:sub>
+                            <m:r>
+                              <a:rPr lang="en-GB" b="0" i="1" smtClean="0">
+                                <a:latin typeface="Cambria Math" panose="02040503050406030204" pitchFamily="18" charset="0"/>
+                              </a:rPr>
+                              <m:t>2</m:t>
+                            </m:r>
+                          </m:sub>
+                        </m:sSub>
+                      </m:oMath>
+                    </m:oMathPara>
+                  </a14:m>
+                  <a:endParaRPr lang="en-GB" dirty="0"/>
+                </a:p>
+              </p:txBody>
+            </p:sp>
+          </mc:Choice>
+          <mc:Fallback>
+            <p:sp>
+              <p:nvSpPr>
+                <p:cNvPr id="39" name="TextBox 38">
+                  <a:extLst>
+                    <a:ext uri="{FF2B5EF4-FFF2-40B4-BE49-F238E27FC236}">
+                      <a16:creationId xmlns:a16="http://schemas.microsoft.com/office/drawing/2014/main" id="{7ADB1D49-1374-4D14-A77E-E96D68F71F71}"/>
+                    </a:ext>
+                  </a:extLst>
+                </p:cNvPr>
+                <p:cNvSpPr txBox="1">
+                  <a:spLocks noRot="1" noChangeAspect="1" noMove="1" noResize="1" noEditPoints="1" noAdjustHandles="1" noChangeArrowheads="1" noChangeShapeType="1" noTextEdit="1"/>
+                </p:cNvSpPr>
+                <p:nvPr/>
+              </p:nvSpPr>
+              <p:spPr>
+                <a:xfrm>
+                  <a:off x="3217945" y="1528498"/>
+                  <a:ext cx="518020" cy="369332"/>
+                </a:xfrm>
+                <a:prstGeom prst="rect">
+                  <a:avLst/>
+                </a:prstGeom>
+                <a:blipFill>
+                  <a:blip r:embed="rId23"/>
+                  <a:stretch>
+                    <a:fillRect/>
+                  </a:stretch>
+                </a:blipFill>
+              </p:spPr>
+              <p:txBody>
+                <a:bodyPr/>
+                <a:lstStyle/>
+                <a:p>
+                  <a:r>
+                    <a:rPr lang="en-GB">
+                      <a:noFill/>
+                    </a:rPr>
+                    <a:t> </a:t>
+                  </a:r>
+                </a:p>
+              </p:txBody>
+            </p:sp>
+          </mc:Fallback>
+        </mc:AlternateContent>
+        <mc:AlternateContent xmlns:mc="http://schemas.openxmlformats.org/markup-compatibility/2006">
+          <mc:Choice xmlns:a14="http://schemas.microsoft.com/office/drawing/2010/main" Requires="a14">
+            <p:sp>
+              <p:nvSpPr>
+                <p:cNvPr id="40" name="TextBox 39">
+                  <a:extLst>
+                    <a:ext uri="{FF2B5EF4-FFF2-40B4-BE49-F238E27FC236}">
+                      <a16:creationId xmlns:a16="http://schemas.microsoft.com/office/drawing/2014/main" id="{68B71C3B-7198-42D7-B697-CF9C5F7F498B}"/>
+                    </a:ext>
+                  </a:extLst>
+                </p:cNvPr>
+                <p:cNvSpPr txBox="1"/>
+                <p:nvPr/>
+              </p:nvSpPr>
+              <p:spPr>
+                <a:xfrm>
+                  <a:off x="2916136" y="2319099"/>
+                  <a:ext cx="518020" cy="369332"/>
+                </a:xfrm>
+                <a:prstGeom prst="rect">
+                  <a:avLst/>
+                </a:prstGeom>
+                <a:noFill/>
+              </p:spPr>
+              <p:txBody>
+                <a:bodyPr wrap="square">
+                  <a:spAutoFit/>
+                </a:bodyPr>
+                <a:lstStyle/>
+                <a:p>
+                  <a:pPr/>
+                  <a14:m>
+                    <m:oMathPara xmlns:m="http://schemas.openxmlformats.org/officeDocument/2006/math">
+                      <m:oMathParaPr>
+                        <m:jc m:val="centerGroup"/>
+                      </m:oMathParaPr>
+                      <m:oMath xmlns:m="http://schemas.openxmlformats.org/officeDocument/2006/math">
+                        <m:sSub>
+                          <m:sSubPr>
+                            <m:ctrlPr>
+                              <a:rPr lang="en-GB" i="1" smtClean="0">
+                                <a:latin typeface="Cambria Math" panose="02040503050406030204" pitchFamily="18" charset="0"/>
+                              </a:rPr>
+                            </m:ctrlPr>
+                          </m:sSubPr>
+                          <m:e>
+                            <m:r>
+                              <a:rPr lang="en-GB" i="1">
+                                <a:latin typeface="Cambria Math" panose="02040503050406030204" pitchFamily="18" charset="0"/>
+                              </a:rPr>
+                              <m:t>𝜆</m:t>
+                            </m:r>
+                          </m:e>
+                          <m:sub>
+                            <m:r>
+                              <a:rPr lang="en-GB" b="0" i="1" smtClean="0">
+                                <a:latin typeface="Cambria Math" panose="02040503050406030204" pitchFamily="18" charset="0"/>
+                              </a:rPr>
+                              <m:t>3</m:t>
+                            </m:r>
+                          </m:sub>
+                        </m:sSub>
+                      </m:oMath>
+                    </m:oMathPara>
+                  </a14:m>
+                  <a:endParaRPr lang="en-GB" dirty="0"/>
+                </a:p>
+              </p:txBody>
+            </p:sp>
+          </mc:Choice>
+          <mc:Fallback>
+            <p:sp>
+              <p:nvSpPr>
+                <p:cNvPr id="40" name="TextBox 39">
+                  <a:extLst>
+                    <a:ext uri="{FF2B5EF4-FFF2-40B4-BE49-F238E27FC236}">
+                      <a16:creationId xmlns:a16="http://schemas.microsoft.com/office/drawing/2014/main" id="{68B71C3B-7198-42D7-B697-CF9C5F7F498B}"/>
+                    </a:ext>
+                  </a:extLst>
+                </p:cNvPr>
+                <p:cNvSpPr txBox="1">
+                  <a:spLocks noRot="1" noChangeAspect="1" noMove="1" noResize="1" noEditPoints="1" noAdjustHandles="1" noChangeArrowheads="1" noChangeShapeType="1" noTextEdit="1"/>
+                </p:cNvSpPr>
+                <p:nvPr/>
+              </p:nvSpPr>
+              <p:spPr>
+                <a:xfrm>
+                  <a:off x="2916136" y="2319099"/>
+                  <a:ext cx="518020" cy="369332"/>
+                </a:xfrm>
+                <a:prstGeom prst="rect">
+                  <a:avLst/>
+                </a:prstGeom>
+                <a:blipFill>
+                  <a:blip r:embed="rId24"/>
+                  <a:stretch>
+                    <a:fillRect/>
+                  </a:stretch>
+                </a:blipFill>
+              </p:spPr>
+              <p:txBody>
+                <a:bodyPr/>
+                <a:lstStyle/>
+                <a:p>
+                  <a:r>
+                    <a:rPr lang="en-GB">
+                      <a:noFill/>
+                    </a:rPr>
+                    <a:t> </a:t>
+                  </a:r>
+                </a:p>
+              </p:txBody>
+            </p:sp>
+          </mc:Fallback>
+        </mc:AlternateContent>
+        <p:sp>
+          <p:nvSpPr>
+            <p:cNvPr id="5" name="Arc 4">
+              <a:extLst>
+                <a:ext uri="{FF2B5EF4-FFF2-40B4-BE49-F238E27FC236}">
+                  <a16:creationId xmlns:a16="http://schemas.microsoft.com/office/drawing/2014/main" id="{E61719C6-443D-4D87-8621-876BF7486EE3}"/>
+                </a:ext>
+              </a:extLst>
+            </p:cNvPr>
+            <p:cNvSpPr/>
+            <p:nvPr/>
+          </p:nvSpPr>
+          <p:spPr>
+            <a:xfrm rot="18116322">
+              <a:off x="5482252" y="894992"/>
+              <a:ext cx="346183" cy="332202"/>
+            </a:xfrm>
+            <a:prstGeom prst="arc">
+              <a:avLst>
+                <a:gd name="adj1" fmla="val 16200000"/>
+                <a:gd name="adj2" fmla="val 12519114"/>
+              </a:avLst>
+            </a:prstGeom>
+            <a:ln>
+              <a:headEnd type="triangle" w="med" len="med"/>
+              <a:tailEnd type="triangle" w="med" len="med"/>
+            </a:ln>
+          </p:spPr>
+          <p:style>
+            <a:lnRef idx="1">
+              <a:schemeClr val="dk1"/>
+            </a:lnRef>
+            <a:fillRef idx="0">
+              <a:schemeClr val="dk1"/>
+            </a:fillRef>
+            <a:effectRef idx="0">
+              <a:schemeClr val="dk1"/>
+            </a:effectRef>
+            <a:fontRef idx="minor">
+              <a:schemeClr val="tx1"/>
+            </a:fontRef>
+          </p:style>
+          <p:txBody>
+            <a:bodyPr rtlCol="0" anchor="ctr"/>
+            <a:lstStyle/>
+            <a:p>
+              <a:pPr algn="ctr"/>
+              <a:endParaRPr lang="en-GB"/>
+            </a:p>
+          </p:txBody>
+        </p:sp>
+        <p:sp>
+          <p:nvSpPr>
+            <p:cNvPr id="96" name="Arc 95">
+              <a:extLst>
+                <a:ext uri="{FF2B5EF4-FFF2-40B4-BE49-F238E27FC236}">
+                  <a16:creationId xmlns:a16="http://schemas.microsoft.com/office/drawing/2014/main" id="{B598C7D8-1837-4C45-9E15-434B7FC3FAB0}"/>
+                </a:ext>
+              </a:extLst>
+            </p:cNvPr>
+            <p:cNvSpPr/>
+            <p:nvPr/>
+          </p:nvSpPr>
+          <p:spPr>
+            <a:xfrm rot="18194109">
+              <a:off x="5483528" y="1721522"/>
+              <a:ext cx="346183" cy="332202"/>
+            </a:xfrm>
+            <a:prstGeom prst="arc">
+              <a:avLst>
+                <a:gd name="adj1" fmla="val 16200000"/>
+                <a:gd name="adj2" fmla="val 12519114"/>
+              </a:avLst>
+            </a:prstGeom>
+            <a:ln>
+              <a:headEnd type="triangle" w="med" len="med"/>
+              <a:tailEnd type="triangle" w="med" len="med"/>
+            </a:ln>
+          </p:spPr>
+          <p:style>
+            <a:lnRef idx="1">
+              <a:schemeClr val="dk1"/>
+            </a:lnRef>
+            <a:fillRef idx="0">
+              <a:schemeClr val="dk1"/>
+            </a:fillRef>
+            <a:effectRef idx="0">
+              <a:schemeClr val="dk1"/>
+            </a:effectRef>
+            <a:fontRef idx="minor">
+              <a:schemeClr val="tx1"/>
+            </a:fontRef>
+          </p:style>
+          <p:txBody>
+            <a:bodyPr rtlCol="0" anchor="ctr"/>
+            <a:lstStyle/>
+            <a:p>
+              <a:pPr algn="ctr"/>
+              <a:endParaRPr lang="en-GB"/>
+            </a:p>
+          </p:txBody>
+        </p:sp>
+        <p:sp>
+          <p:nvSpPr>
+            <p:cNvPr id="97" name="Arc 96">
+              <a:extLst>
+                <a:ext uri="{FF2B5EF4-FFF2-40B4-BE49-F238E27FC236}">
+                  <a16:creationId xmlns:a16="http://schemas.microsoft.com/office/drawing/2014/main" id="{FA954669-B471-4B96-8854-657501164132}"/>
+                </a:ext>
+              </a:extLst>
+            </p:cNvPr>
+            <p:cNvSpPr/>
+            <p:nvPr/>
+          </p:nvSpPr>
+          <p:spPr>
+            <a:xfrm rot="17922530">
+              <a:off x="5485946" y="2561491"/>
+              <a:ext cx="346183" cy="332202"/>
+            </a:xfrm>
+            <a:prstGeom prst="arc">
+              <a:avLst>
+                <a:gd name="adj1" fmla="val 16200000"/>
+                <a:gd name="adj2" fmla="val 12519114"/>
+              </a:avLst>
+            </a:prstGeom>
+            <a:ln>
+              <a:headEnd type="triangle" w="med" len="med"/>
+              <a:tailEnd type="triangle" w="med" len="med"/>
+            </a:ln>
+          </p:spPr>
+          <p:style>
+            <a:lnRef idx="1">
+              <a:schemeClr val="dk1"/>
+            </a:lnRef>
+            <a:fillRef idx="0">
+              <a:schemeClr val="dk1"/>
+            </a:fillRef>
+            <a:effectRef idx="0">
+              <a:schemeClr val="dk1"/>
+            </a:effectRef>
+            <a:fontRef idx="minor">
+              <a:schemeClr val="tx1"/>
+            </a:fontRef>
+          </p:style>
+          <p:txBody>
+            <a:bodyPr rtlCol="0" anchor="ctr"/>
+            <a:lstStyle/>
+            <a:p>
+              <a:pPr algn="ctr"/>
+              <a:endParaRPr lang="en-GB"/>
+            </a:p>
+          </p:txBody>
+        </p:sp>
+        <mc:AlternateContent xmlns:mc="http://schemas.openxmlformats.org/markup-compatibility/2006">
+          <mc:Choice xmlns:a14="http://schemas.microsoft.com/office/drawing/2010/main" Requires="a14">
+            <p:sp>
+              <p:nvSpPr>
+                <p:cNvPr id="98" name="TextBox 97">
+                  <a:extLst>
+                    <a:ext uri="{FF2B5EF4-FFF2-40B4-BE49-F238E27FC236}">
+                      <a16:creationId xmlns:a16="http://schemas.microsoft.com/office/drawing/2014/main" id="{C93FE80D-11C2-44D4-BA4F-D546E11CB5B4}"/>
+                    </a:ext>
+                  </a:extLst>
+                </p:cNvPr>
+                <p:cNvSpPr txBox="1"/>
+                <p:nvPr/>
+              </p:nvSpPr>
+              <p:spPr>
+                <a:xfrm>
+                  <a:off x="5721627" y="841141"/>
+                  <a:ext cx="518020" cy="369332"/>
+                </a:xfrm>
+                <a:prstGeom prst="rect">
+                  <a:avLst/>
+                </a:prstGeom>
+                <a:noFill/>
+              </p:spPr>
+              <p:txBody>
+                <a:bodyPr wrap="square">
+                  <a:spAutoFit/>
+                </a:bodyPr>
+                <a:lstStyle/>
+                <a:p>
+                  <a:pPr/>
+                  <a14:m>
+                    <m:oMathPara xmlns:m="http://schemas.openxmlformats.org/officeDocument/2006/math">
+                      <m:oMathParaPr>
+                        <m:jc m:val="centerGroup"/>
+                      </m:oMathParaPr>
+                      <m:oMath xmlns:m="http://schemas.openxmlformats.org/officeDocument/2006/math">
+                        <m:sSub>
+                          <m:sSubPr>
+                            <m:ctrlPr>
+                              <a:rPr lang="en-GB" i="1" smtClean="0">
+                                <a:latin typeface="Cambria Math" panose="02040503050406030204" pitchFamily="18" charset="0"/>
+                                <a:ea typeface="Cambria Math" panose="02040503050406030204" pitchFamily="18" charset="0"/>
+                              </a:rPr>
+                            </m:ctrlPr>
+                          </m:sSubPr>
+                          <m:e>
+                            <m:r>
+                              <a:rPr lang="en-GB" i="1" smtClean="0">
+                                <a:latin typeface="Cambria Math" panose="02040503050406030204" pitchFamily="18" charset="0"/>
+                                <a:ea typeface="Cambria Math" panose="02040503050406030204" pitchFamily="18" charset="0"/>
+                              </a:rPr>
+                              <m:t>𝜃</m:t>
+                            </m:r>
+                          </m:e>
+                          <m:sub>
+                            <m:r>
+                              <a:rPr lang="en-GB" b="0" i="1" smtClean="0">
+                                <a:latin typeface="Cambria Math" panose="02040503050406030204" pitchFamily="18" charset="0"/>
+                                <a:ea typeface="Cambria Math" panose="02040503050406030204" pitchFamily="18" charset="0"/>
+                              </a:rPr>
+                              <m:t>1</m:t>
+                            </m:r>
+                          </m:sub>
+                        </m:sSub>
+                      </m:oMath>
+                    </m:oMathPara>
+                  </a14:m>
+                  <a:endParaRPr lang="en-GB" dirty="0"/>
+                </a:p>
+              </p:txBody>
+            </p:sp>
+          </mc:Choice>
+          <mc:Fallback>
+            <p:sp>
+              <p:nvSpPr>
+                <p:cNvPr id="98" name="TextBox 97">
+                  <a:extLst>
+                    <a:ext uri="{FF2B5EF4-FFF2-40B4-BE49-F238E27FC236}">
+                      <a16:creationId xmlns:a16="http://schemas.microsoft.com/office/drawing/2014/main" id="{C93FE80D-11C2-44D4-BA4F-D546E11CB5B4}"/>
+                    </a:ext>
+                  </a:extLst>
+                </p:cNvPr>
+                <p:cNvSpPr txBox="1">
+                  <a:spLocks noRot="1" noChangeAspect="1" noMove="1" noResize="1" noEditPoints="1" noAdjustHandles="1" noChangeArrowheads="1" noChangeShapeType="1" noTextEdit="1"/>
+                </p:cNvSpPr>
+                <p:nvPr/>
+              </p:nvSpPr>
+              <p:spPr>
+                <a:xfrm>
+                  <a:off x="5721627" y="841141"/>
+                  <a:ext cx="518020" cy="369332"/>
+                </a:xfrm>
+                <a:prstGeom prst="rect">
+                  <a:avLst/>
+                </a:prstGeom>
+                <a:blipFill>
+                  <a:blip r:embed="rId25"/>
+                  <a:stretch>
+                    <a:fillRect/>
+                  </a:stretch>
+                </a:blipFill>
+              </p:spPr>
+              <p:txBody>
+                <a:bodyPr/>
+                <a:lstStyle/>
+                <a:p>
+                  <a:r>
+                    <a:rPr lang="en-GB">
+                      <a:noFill/>
+                    </a:rPr>
+                    <a:t> </a:t>
+                  </a:r>
+                </a:p>
+              </p:txBody>
+            </p:sp>
+          </mc:Fallback>
+        </mc:AlternateContent>
+        <mc:AlternateContent xmlns:mc="http://schemas.openxmlformats.org/markup-compatibility/2006">
+          <mc:Choice xmlns:a14="http://schemas.microsoft.com/office/drawing/2010/main" Requires="a14">
+            <p:sp>
+              <p:nvSpPr>
+                <p:cNvPr id="100" name="TextBox 99">
+                  <a:extLst>
+                    <a:ext uri="{FF2B5EF4-FFF2-40B4-BE49-F238E27FC236}">
+                      <a16:creationId xmlns:a16="http://schemas.microsoft.com/office/drawing/2014/main" id="{C201228E-8AB0-4649-A6D4-354174B5E1BB}"/>
+                    </a:ext>
+                  </a:extLst>
+                </p:cNvPr>
+                <p:cNvSpPr txBox="1"/>
+                <p:nvPr/>
+              </p:nvSpPr>
+              <p:spPr>
+                <a:xfrm>
+                  <a:off x="5703214" y="1694919"/>
+                  <a:ext cx="518020" cy="369332"/>
+                </a:xfrm>
+                <a:prstGeom prst="rect">
+                  <a:avLst/>
+                </a:prstGeom>
+                <a:noFill/>
+              </p:spPr>
+              <p:txBody>
+                <a:bodyPr wrap="square">
+                  <a:spAutoFit/>
+                </a:bodyPr>
+                <a:lstStyle/>
+                <a:p>
+                  <a:pPr/>
+                  <a14:m>
+                    <m:oMathPara xmlns:m="http://schemas.openxmlformats.org/officeDocument/2006/math">
+                      <m:oMathParaPr>
+                        <m:jc m:val="centerGroup"/>
+                      </m:oMathParaPr>
+                      <m:oMath xmlns:m="http://schemas.openxmlformats.org/officeDocument/2006/math">
+                        <m:sSub>
+                          <m:sSubPr>
+                            <m:ctrlPr>
+                              <a:rPr lang="en-GB" i="1" smtClean="0">
+                                <a:latin typeface="Cambria Math" panose="02040503050406030204" pitchFamily="18" charset="0"/>
+                                <a:ea typeface="Cambria Math" panose="02040503050406030204" pitchFamily="18" charset="0"/>
+                              </a:rPr>
+                            </m:ctrlPr>
+                          </m:sSubPr>
+                          <m:e>
+                            <m:r>
+                              <a:rPr lang="en-GB" i="1" smtClean="0">
+                                <a:latin typeface="Cambria Math" panose="02040503050406030204" pitchFamily="18" charset="0"/>
+                                <a:ea typeface="Cambria Math" panose="02040503050406030204" pitchFamily="18" charset="0"/>
+                              </a:rPr>
+                              <m:t>𝜃</m:t>
+                            </m:r>
+                          </m:e>
+                          <m:sub>
+                            <m:r>
+                              <a:rPr lang="en-GB" b="0" i="1" smtClean="0">
+                                <a:latin typeface="Cambria Math" panose="02040503050406030204" pitchFamily="18" charset="0"/>
+                                <a:ea typeface="Cambria Math" panose="02040503050406030204" pitchFamily="18" charset="0"/>
+                              </a:rPr>
+                              <m:t>2</m:t>
+                            </m:r>
+                          </m:sub>
+                        </m:sSub>
+                      </m:oMath>
+                    </m:oMathPara>
+                  </a14:m>
+                  <a:endParaRPr lang="en-GB" dirty="0"/>
+                </a:p>
+              </p:txBody>
+            </p:sp>
+          </mc:Choice>
+          <mc:Fallback>
+            <p:sp>
+              <p:nvSpPr>
+                <p:cNvPr id="100" name="TextBox 99">
+                  <a:extLst>
+                    <a:ext uri="{FF2B5EF4-FFF2-40B4-BE49-F238E27FC236}">
+                      <a16:creationId xmlns:a16="http://schemas.microsoft.com/office/drawing/2014/main" id="{C201228E-8AB0-4649-A6D4-354174B5E1BB}"/>
+                    </a:ext>
+                  </a:extLst>
+                </p:cNvPr>
+                <p:cNvSpPr txBox="1">
+                  <a:spLocks noRot="1" noChangeAspect="1" noMove="1" noResize="1" noEditPoints="1" noAdjustHandles="1" noChangeArrowheads="1" noChangeShapeType="1" noTextEdit="1"/>
+                </p:cNvSpPr>
+                <p:nvPr/>
+              </p:nvSpPr>
+              <p:spPr>
+                <a:xfrm>
+                  <a:off x="5703214" y="1694919"/>
+                  <a:ext cx="518020" cy="369332"/>
+                </a:xfrm>
+                <a:prstGeom prst="rect">
+                  <a:avLst/>
+                </a:prstGeom>
+                <a:blipFill>
+                  <a:blip r:embed="rId26"/>
+                  <a:stretch>
+                    <a:fillRect/>
+                  </a:stretch>
+                </a:blipFill>
+              </p:spPr>
+              <p:txBody>
+                <a:bodyPr/>
+                <a:lstStyle/>
+                <a:p>
+                  <a:r>
+                    <a:rPr lang="en-GB">
+                      <a:noFill/>
+                    </a:rPr>
+                    <a:t> </a:t>
+                  </a:r>
+                </a:p>
+              </p:txBody>
+            </p:sp>
+          </mc:Fallback>
+        </mc:AlternateContent>
+        <mc:AlternateContent xmlns:mc="http://schemas.openxmlformats.org/markup-compatibility/2006">
+          <mc:Choice xmlns:a14="http://schemas.microsoft.com/office/drawing/2010/main" Requires="a14">
+            <p:sp>
+              <p:nvSpPr>
+                <p:cNvPr id="101" name="TextBox 100">
+                  <a:extLst>
+                    <a:ext uri="{FF2B5EF4-FFF2-40B4-BE49-F238E27FC236}">
+                      <a16:creationId xmlns:a16="http://schemas.microsoft.com/office/drawing/2014/main" id="{D16BAFC9-DB3E-4BD3-BCBD-E2948DFB0CFF}"/>
+                    </a:ext>
+                  </a:extLst>
+                </p:cNvPr>
+                <p:cNvSpPr txBox="1"/>
+                <p:nvPr/>
+              </p:nvSpPr>
+              <p:spPr>
+                <a:xfrm>
+                  <a:off x="5704486" y="2522506"/>
+                  <a:ext cx="518020" cy="369332"/>
+                </a:xfrm>
+                <a:prstGeom prst="rect">
+                  <a:avLst/>
+                </a:prstGeom>
+                <a:noFill/>
+              </p:spPr>
+              <p:txBody>
+                <a:bodyPr wrap="square">
+                  <a:spAutoFit/>
+                </a:bodyPr>
+                <a:lstStyle/>
+                <a:p>
+                  <a:pPr/>
+                  <a14:m>
+                    <m:oMathPara xmlns:m="http://schemas.openxmlformats.org/officeDocument/2006/math">
+                      <m:oMathParaPr>
+                        <m:jc m:val="centerGroup"/>
+                      </m:oMathParaPr>
+                      <m:oMath xmlns:m="http://schemas.openxmlformats.org/officeDocument/2006/math">
+                        <m:sSub>
+                          <m:sSubPr>
+                            <m:ctrlPr>
+                              <a:rPr lang="en-GB" i="1" smtClean="0">
+                                <a:latin typeface="Cambria Math" panose="02040503050406030204" pitchFamily="18" charset="0"/>
+                                <a:ea typeface="Cambria Math" panose="02040503050406030204" pitchFamily="18" charset="0"/>
+                              </a:rPr>
+                            </m:ctrlPr>
+                          </m:sSubPr>
+                          <m:e>
+                            <m:r>
+                              <a:rPr lang="en-GB" i="1" smtClean="0">
+                                <a:latin typeface="Cambria Math" panose="02040503050406030204" pitchFamily="18" charset="0"/>
+                                <a:ea typeface="Cambria Math" panose="02040503050406030204" pitchFamily="18" charset="0"/>
+                              </a:rPr>
+                              <m:t>𝜃</m:t>
+                            </m:r>
+                          </m:e>
+                          <m:sub>
+                            <m:r>
+                              <a:rPr lang="en-GB" b="0" i="1" smtClean="0">
+                                <a:latin typeface="Cambria Math" panose="02040503050406030204" pitchFamily="18" charset="0"/>
+                                <a:ea typeface="Cambria Math" panose="02040503050406030204" pitchFamily="18" charset="0"/>
+                              </a:rPr>
+                              <m:t>3</m:t>
+                            </m:r>
+                          </m:sub>
+                        </m:sSub>
+                      </m:oMath>
+                    </m:oMathPara>
+                  </a14:m>
+                  <a:endParaRPr lang="en-GB" dirty="0"/>
+                </a:p>
+              </p:txBody>
+            </p:sp>
+          </mc:Choice>
+          <mc:Fallback>
+            <p:sp>
+              <p:nvSpPr>
+                <p:cNvPr id="101" name="TextBox 100">
+                  <a:extLst>
+                    <a:ext uri="{FF2B5EF4-FFF2-40B4-BE49-F238E27FC236}">
+                      <a16:creationId xmlns:a16="http://schemas.microsoft.com/office/drawing/2014/main" id="{D16BAFC9-DB3E-4BD3-BCBD-E2948DFB0CFF}"/>
+                    </a:ext>
+                  </a:extLst>
+                </p:cNvPr>
+                <p:cNvSpPr txBox="1">
+                  <a:spLocks noRot="1" noChangeAspect="1" noMove="1" noResize="1" noEditPoints="1" noAdjustHandles="1" noChangeArrowheads="1" noChangeShapeType="1" noTextEdit="1"/>
+                </p:cNvSpPr>
+                <p:nvPr/>
+              </p:nvSpPr>
+              <p:spPr>
+                <a:xfrm>
+                  <a:off x="5704486" y="2522506"/>
+                  <a:ext cx="518020" cy="369332"/>
+                </a:xfrm>
+                <a:prstGeom prst="rect">
+                  <a:avLst/>
+                </a:prstGeom>
+                <a:blipFill>
+                  <a:blip r:embed="rId27"/>
+                  <a:stretch>
+                    <a:fillRect/>
+                  </a:stretch>
+                </a:blipFill>
+              </p:spPr>
+              <p:txBody>
+                <a:bodyPr/>
+                <a:lstStyle/>
+                <a:p>
+                  <a:r>
+                    <a:rPr lang="en-GB">
+                      <a:noFill/>
+                    </a:rPr>
+                    <a:t> </a:t>
+                  </a:r>
+                </a:p>
+              </p:txBody>
+            </p:sp>
+          </mc:Fallback>
+        </mc:AlternateContent>
+        <p:sp>
+          <p:nvSpPr>
+            <p:cNvPr id="114" name="Arc 113">
+              <a:extLst>
+                <a:ext uri="{FF2B5EF4-FFF2-40B4-BE49-F238E27FC236}">
+                  <a16:creationId xmlns:a16="http://schemas.microsoft.com/office/drawing/2014/main" id="{94B79499-8D89-4390-9202-7120A2D3A3FC}"/>
+                </a:ext>
+              </a:extLst>
+            </p:cNvPr>
+            <p:cNvSpPr/>
+            <p:nvPr/>
+          </p:nvSpPr>
+          <p:spPr>
+            <a:xfrm rot="6993961">
+              <a:off x="642587" y="1714809"/>
+              <a:ext cx="346183" cy="332202"/>
+            </a:xfrm>
+            <a:prstGeom prst="arc">
+              <a:avLst>
+                <a:gd name="adj1" fmla="val 16200000"/>
+                <a:gd name="adj2" fmla="val 12519114"/>
+              </a:avLst>
+            </a:prstGeom>
+            <a:ln>
+              <a:headEnd type="triangle" w="med" len="med"/>
+              <a:tailEnd type="triangle" w="med" len="med"/>
+            </a:ln>
+          </p:spPr>
+          <p:style>
+            <a:lnRef idx="1">
+              <a:schemeClr val="dk1"/>
+            </a:lnRef>
+            <a:fillRef idx="0">
+              <a:schemeClr val="dk1"/>
+            </a:fillRef>
+            <a:effectRef idx="0">
+              <a:schemeClr val="dk1"/>
+            </a:effectRef>
+            <a:fontRef idx="minor">
+              <a:schemeClr val="tx1"/>
+            </a:fontRef>
+          </p:style>
+          <p:txBody>
+            <a:bodyPr rtlCol="0" anchor="ctr"/>
+            <a:lstStyle/>
+            <a:p>
+              <a:pPr algn="ctr"/>
+              <a:endParaRPr lang="en-GB"/>
+            </a:p>
+          </p:txBody>
+        </p:sp>
+        <p:sp>
+          <p:nvSpPr>
+            <p:cNvPr id="115" name="TextBox 114">
+              <a:extLst>
+                <a:ext uri="{FF2B5EF4-FFF2-40B4-BE49-F238E27FC236}">
+                  <a16:creationId xmlns:a16="http://schemas.microsoft.com/office/drawing/2014/main" id="{9F827352-92DF-47DD-A1A6-ABCF0C8C8EA6}"/>
+                </a:ext>
+              </a:extLst>
+            </p:cNvPr>
+            <p:cNvSpPr txBox="1"/>
+            <p:nvPr/>
+          </p:nvSpPr>
+          <p:spPr>
+            <a:xfrm>
+              <a:off x="346300" y="1680462"/>
+              <a:ext cx="518020" cy="369332"/>
+            </a:xfrm>
+            <a:prstGeom prst="rect">
+              <a:avLst/>
+            </a:prstGeom>
+            <a:noFill/>
+          </p:spPr>
+          <p:txBody>
+            <a:bodyPr wrap="square">
+              <a:spAutoFit/>
+            </a:bodyPr>
+            <a:lstStyle/>
+            <a:p>
+              <a:pPr/>
+              <a:r>
+                <a:rPr lang="en-GB" dirty="0"/>
+                <a:t>1</a:t>
+              </a:r>
+            </a:p>
+          </p:txBody>
+        </p:sp>
+      </p:grpSp>
+      <p:sp>
+        <p:nvSpPr>
+          <p:cNvPr id="116" name="Arc 115">
+            <a:extLst>
+              <a:ext uri="{FF2B5EF4-FFF2-40B4-BE49-F238E27FC236}">
+                <a16:creationId xmlns:a16="http://schemas.microsoft.com/office/drawing/2014/main" id="{83045B3F-E905-44E3-BC57-ED071E0BEBDD}"/>
+              </a:ext>
+            </a:extLst>
+          </p:cNvPr>
+          <p:cNvSpPr/>
+          <p:nvPr/>
+        </p:nvSpPr>
+        <p:spPr>
+          <a:xfrm rot="6993961">
+            <a:off x="655800" y="5070071"/>
+            <a:ext cx="346183" cy="332202"/>
+          </a:xfrm>
+          <a:prstGeom prst="arc">
+            <a:avLst>
+              <a:gd name="adj1" fmla="val 16200000"/>
+              <a:gd name="adj2" fmla="val 12519114"/>
+            </a:avLst>
+          </a:prstGeom>
+          <a:ln>
+            <a:headEnd type="triangle" w="med" len="med"/>
+            <a:tailEnd type="triangle" w="med" len="med"/>
+          </a:ln>
+        </p:spPr>
+        <p:style>
+          <a:lnRef idx="1">
+            <a:schemeClr val="dk1"/>
+          </a:lnRef>
+          <a:fillRef idx="0">
+            <a:schemeClr val="dk1"/>
+          </a:fillRef>
+          <a:effectRef idx="0">
+            <a:schemeClr val="dk1"/>
+          </a:effectRef>
+          <a:fontRef idx="minor">
+            <a:schemeClr val="tx1"/>
+          </a:fontRef>
+        </p:style>
+        <p:txBody>
+          <a:bodyPr rtlCol="0" anchor="ctr"/>
+          <a:lstStyle/>
+          <a:p>
+            <a:pPr algn="ctr"/>
+            <a:endParaRPr lang="en-GB"/>
+          </a:p>
+        </p:txBody>
+      </p:sp>
+      <mc:AlternateContent xmlns:mc="http://schemas.openxmlformats.org/markup-compatibility/2006">
+        <mc:Choice xmlns:a14="http://schemas.microsoft.com/office/drawing/2010/main" Requires="a14">
+          <p:sp>
+            <p:nvSpPr>
+              <p:cNvPr id="117" name="TextBox 116">
+                <a:extLst>
+                  <a:ext uri="{FF2B5EF4-FFF2-40B4-BE49-F238E27FC236}">
+                    <a16:creationId xmlns:a16="http://schemas.microsoft.com/office/drawing/2014/main" id="{27516C9D-2D54-4513-8A78-2B68E3C2C091}"/>
+                  </a:ext>
+                </a:extLst>
+              </p:cNvPr>
+              <p:cNvSpPr txBox="1"/>
+              <p:nvPr/>
+            </p:nvSpPr>
+            <p:spPr>
+              <a:xfrm>
+                <a:off x="276468" y="5035724"/>
+                <a:ext cx="518020" cy="369332"/>
+              </a:xfrm>
+              <a:prstGeom prst="rect">
+                <a:avLst/>
+              </a:prstGeom>
+              <a:noFill/>
+            </p:spPr>
+            <p:txBody>
+              <a:bodyPr wrap="square">
+                <a:spAutoFit/>
+              </a:bodyPr>
+              <a:lstStyle/>
+              <a:p>
+                <a:pPr/>
+                <a14:m>
+                  <m:oMathPara xmlns:m="http://schemas.openxmlformats.org/officeDocument/2006/math">
+                    <m:oMathParaPr>
+                      <m:jc m:val="centerGroup"/>
+                    </m:oMathParaPr>
+                    <m:oMath xmlns:m="http://schemas.openxmlformats.org/officeDocument/2006/math">
+                      <m:r>
+                        <m:rPr>
+                          <m:sty m:val="p"/>
+                        </m:rPr>
+                        <a:rPr lang="el-GR" i="1" smtClean="0">
+                          <a:latin typeface="Cambria Math" panose="02040503050406030204" pitchFamily="18" charset="0"/>
+                        </a:rPr>
+                        <m:t>Ψ</m:t>
+                      </m:r>
+                    </m:oMath>
+                  </m:oMathPara>
+                </a14:m>
+                <a:endParaRPr lang="en-GB" dirty="0"/>
+              </a:p>
+            </p:txBody>
+          </p:sp>
+        </mc:Choice>
+        <mc:Fallback>
+          <p:sp>
+            <p:nvSpPr>
+              <p:cNvPr id="117" name="TextBox 116">
+                <a:extLst>
+                  <a:ext uri="{FF2B5EF4-FFF2-40B4-BE49-F238E27FC236}">
+                    <a16:creationId xmlns:a16="http://schemas.microsoft.com/office/drawing/2014/main" id="{27516C9D-2D54-4513-8A78-2B68E3C2C091}"/>
+                  </a:ext>
+                </a:extLst>
+              </p:cNvPr>
+              <p:cNvSpPr txBox="1">
+                <a:spLocks noRot="1" noChangeAspect="1" noMove="1" noResize="1" noEditPoints="1" noAdjustHandles="1" noChangeArrowheads="1" noChangeShapeType="1" noTextEdit="1"/>
+              </p:cNvSpPr>
+              <p:nvPr/>
+            </p:nvSpPr>
+            <p:spPr>
+              <a:xfrm>
+                <a:off x="276468" y="5035724"/>
+                <a:ext cx="518020" cy="369332"/>
+              </a:xfrm>
+              <a:prstGeom prst="rect">
+                <a:avLst/>
+              </a:prstGeom>
+              <a:blipFill>
+                <a:blip r:embed="rId28"/>
+                <a:stretch>
+                  <a:fillRect/>
+                </a:stretch>
+              </a:blipFill>
+            </p:spPr>
+            <p:txBody>
+              <a:bodyPr/>
+              <a:lstStyle/>
+              <a:p>
+                <a:r>
+                  <a:rPr lang="en-GB">
+                    <a:noFill/>
+                  </a:rPr>
+                  <a:t> </a:t>
+                </a:r>
+              </a:p>
+            </p:txBody>
+          </p:sp>
+        </mc:Fallback>
+      </mc:AlternateContent>
+      <p:sp>
+        <p:nvSpPr>
+          <p:cNvPr id="118" name="TextBox 117">
+            <a:extLst>
+              <a:ext uri="{FF2B5EF4-FFF2-40B4-BE49-F238E27FC236}">
+                <a16:creationId xmlns:a16="http://schemas.microsoft.com/office/drawing/2014/main" id="{CCD9ED99-F271-4DAD-93F1-348D4F30B326}"/>
+              </a:ext>
+            </a:extLst>
+          </p:cNvPr>
+          <p:cNvSpPr txBox="1"/>
+          <p:nvPr/>
+        </p:nvSpPr>
+        <p:spPr>
+          <a:xfrm>
+            <a:off x="6321769" y="4287708"/>
+            <a:ext cx="5468850" cy="1754326"/>
+          </a:xfrm>
+          <a:prstGeom prst="rect">
+            <a:avLst/>
+          </a:prstGeom>
+          <a:noFill/>
+        </p:spPr>
+        <p:txBody>
+          <a:bodyPr wrap="square" rtlCol="0">
+            <a:spAutoFit/>
+          </a:bodyPr>
+          <a:lstStyle/>
+          <a:p>
+            <a:r>
+              <a:rPr lang="en-GB" i="0" dirty="0">
+                <a:solidFill>
+                  <a:srgbClr val="333333"/>
+                </a:solidFill>
+                <a:latin typeface="Figtree"/>
+              </a:rPr>
+              <a:t>When we compute a sum score, we are implicitly referring to a model in which:</a:t>
+            </a:r>
+          </a:p>
+          <a:p>
+            <a:endParaRPr lang="en-GB" i="0" dirty="0">
+              <a:solidFill>
+                <a:srgbClr val="333333"/>
+              </a:solidFill>
+              <a:latin typeface="Figtree"/>
+            </a:endParaRPr>
+          </a:p>
+          <a:p>
+            <a:pPr marL="285750" indent="-285750">
+              <a:buFontTx/>
+              <a:buChar char="-"/>
+            </a:pPr>
+            <a:r>
+              <a:rPr lang="en-GB" dirty="0">
+                <a:solidFill>
+                  <a:srgbClr val="333333"/>
+                </a:solidFill>
+                <a:latin typeface="Figtree"/>
+              </a:rPr>
+              <a:t>All items have the same loading (in this case 1)</a:t>
+            </a:r>
+            <a:endParaRPr lang="en-GB" dirty="0">
+              <a:solidFill>
+                <a:srgbClr val="333333"/>
+              </a:solidFill>
+              <a:latin typeface="Figtree"/>
+              <a:ea typeface="Cambria Math" panose="02040503050406030204" pitchFamily="18" charset="0"/>
+            </a:endParaRPr>
+          </a:p>
+          <a:p>
+            <a:pPr marL="285750" indent="-285750">
+              <a:buFontTx/>
+              <a:buChar char="-"/>
+            </a:pPr>
+            <a:r>
+              <a:rPr lang="en-GB" i="0" dirty="0">
+                <a:solidFill>
+                  <a:srgbClr val="333333"/>
+                </a:solidFill>
+                <a:latin typeface="Figtree"/>
+              </a:rPr>
+              <a:t>All items have the same variance.  </a:t>
+            </a:r>
+          </a:p>
+          <a:p>
+            <a:endParaRPr lang="en-GB" i="0" dirty="0">
+              <a:solidFill>
+                <a:srgbClr val="333333"/>
+              </a:solidFill>
+              <a:latin typeface="Figtree"/>
+            </a:endParaRPr>
+          </a:p>
+        </p:txBody>
+      </p:sp>
+    </p:spTree>
+    <p:extLst>
+      <p:ext uri="{BB962C8B-B14F-4D97-AF65-F5344CB8AC3E}">
+        <p14:creationId xmlns:p14="http://schemas.microsoft.com/office/powerpoint/2010/main" val="1713392004"/>
+      </p:ext>
+    </p:extLst>
+  </p:cSld>
+  <p:clrMapOvr>
+    <a:masterClrMapping/>
+  </p:clrMapOvr>
+</p:sld>
+</file>
+
 <file path=ppt/theme/theme1.xml><?xml version="1.0" encoding="utf-8"?>
 <a:theme xmlns:a="http://schemas.openxmlformats.org/drawingml/2006/main" name="Office Theme">
   <a:themeElements>
